--- a/Day 2/slides/Shiny_Day_2.pptx
+++ b/Day 2/slides/Shiny_Day_2.pptx
@@ -5,7 +5,7 @@
     <p:sldMasterId id="2147483679" r:id="rId4"/>
   </p:sldMasterIdLst>
   <p:notesMasterIdLst>
-    <p:notesMasterId r:id="rId42"/>
+    <p:notesMasterId r:id="rId41"/>
   </p:notesMasterIdLst>
   <p:sldIdLst>
     <p:sldId id="257" r:id="rId5"/>
@@ -41,10 +41,9 @@
     <p:sldId id="326" r:id="rId35"/>
     <p:sldId id="327" r:id="rId36"/>
     <p:sldId id="328" r:id="rId37"/>
-    <p:sldId id="330" r:id="rId38"/>
-    <p:sldId id="331" r:id="rId39"/>
-    <p:sldId id="332" r:id="rId40"/>
-    <p:sldId id="333" r:id="rId41"/>
+    <p:sldId id="331" r:id="rId38"/>
+    <p:sldId id="332" r:id="rId39"/>
+    <p:sldId id="333" r:id="rId40"/>
   </p:sldIdLst>
   <p:sldSz cx="12192000" cy="6858000"/>
   <p:notesSz cx="6858000" cy="9144000"/>
@@ -161,13 +160,1032 @@
 <file path=ppt/revisionInfo.xml><?xml version="1.0" encoding="utf-8"?>
 <p1510:revInfo xmlns:a="http://schemas.openxmlformats.org/drawingml/2006/main" xmlns:r="http://schemas.openxmlformats.org/officeDocument/2006/relationships" xmlns:p1510="http://schemas.microsoft.com/office/powerpoint/2015/10/main">
   <p1510:revLst>
+    <p1510:client id="{42ABB5CA-9233-4BEE-9804-A34D901A549E}" v="18" dt="2023-10-10T08:26:18.056"/>
     <p1510:client id="{6EB750B9-5FA5-4ADA-87B7-5DA225928C11}" v="91" dt="2023-10-03T14:12:38.082"/>
+    <p1510:client id="{91BD5106-5F1B-4809-BCC1-C2D8A9B542C7}" v="18" dt="2023-10-10T08:07:26.891"/>
   </p1510:revLst>
 </p1510:revInfo>
 </file>
 
 <file path=ppt/changesInfos/changesInfo1.xml><?xml version="1.0" encoding="utf-8"?>
 <pc:chgInfo xmlns:a="http://schemas.openxmlformats.org/drawingml/2006/main" xmlns:r="http://schemas.openxmlformats.org/officeDocument/2006/relationships" xmlns:ac="http://schemas.microsoft.com/office/drawing/2013/main/command" xmlns:pc="http://schemas.microsoft.com/office/powerpoint/2013/main/command">
+  <pc:docChgLst>
+    <pc:chgData name="Julia Moeller" userId="0bcb1583-c1a4-48b5-87e6-2cc074d2d571" providerId="ADAL" clId="{6EB750B9-5FA5-4ADA-87B7-5DA225928C11}"/>
+    <pc:docChg chg="undo redo custSel modSld">
+      <pc:chgData name="Julia Moeller" userId="0bcb1583-c1a4-48b5-87e6-2cc074d2d571" providerId="ADAL" clId="{6EB750B9-5FA5-4ADA-87B7-5DA225928C11}" dt="2023-10-03T18:21:27.847" v="2559" actId="20577"/>
+      <pc:docMkLst>
+        <pc:docMk/>
+      </pc:docMkLst>
+      <pc:sldChg chg="modSp mod">
+        <pc:chgData name="Julia Moeller" userId="0bcb1583-c1a4-48b5-87e6-2cc074d2d571" providerId="ADAL" clId="{6EB750B9-5FA5-4ADA-87B7-5DA225928C11}" dt="2023-09-29T13:57:45.321" v="175" actId="1076"/>
+        <pc:sldMkLst>
+          <pc:docMk/>
+          <pc:sldMk cId="2421927408" sldId="297"/>
+        </pc:sldMkLst>
+        <pc:spChg chg="mod">
+          <ac:chgData name="Julia Moeller" userId="0bcb1583-c1a4-48b5-87e6-2cc074d2d571" providerId="ADAL" clId="{6EB750B9-5FA5-4ADA-87B7-5DA225928C11}" dt="2023-09-29T13:57:45.321" v="175" actId="1076"/>
+          <ac:spMkLst>
+            <pc:docMk/>
+            <pc:sldMk cId="2421927408" sldId="297"/>
+            <ac:spMk id="3" creationId="{00000000-0000-0000-0000-000000000000}"/>
+          </ac:spMkLst>
+        </pc:spChg>
+      </pc:sldChg>
+      <pc:sldChg chg="modSp mod">
+        <pc:chgData name="Julia Moeller" userId="0bcb1583-c1a4-48b5-87e6-2cc074d2d571" providerId="ADAL" clId="{6EB750B9-5FA5-4ADA-87B7-5DA225928C11}" dt="2023-09-29T10:02:18.184" v="10" actId="1076"/>
+        <pc:sldMkLst>
+          <pc:docMk/>
+          <pc:sldMk cId="2923546702" sldId="298"/>
+        </pc:sldMkLst>
+        <pc:spChg chg="mod">
+          <ac:chgData name="Julia Moeller" userId="0bcb1583-c1a4-48b5-87e6-2cc074d2d571" providerId="ADAL" clId="{6EB750B9-5FA5-4ADA-87B7-5DA225928C11}" dt="2023-09-29T10:00:08.934" v="3" actId="255"/>
+          <ac:spMkLst>
+            <pc:docMk/>
+            <pc:sldMk cId="2923546702" sldId="298"/>
+            <ac:spMk id="3" creationId="{00000000-0000-0000-0000-000000000000}"/>
+          </ac:spMkLst>
+        </pc:spChg>
+        <pc:spChg chg="mod">
+          <ac:chgData name="Julia Moeller" userId="0bcb1583-c1a4-48b5-87e6-2cc074d2d571" providerId="ADAL" clId="{6EB750B9-5FA5-4ADA-87B7-5DA225928C11}" dt="2023-09-29T10:02:18.184" v="10" actId="1076"/>
+          <ac:spMkLst>
+            <pc:docMk/>
+            <pc:sldMk cId="2923546702" sldId="298"/>
+            <ac:spMk id="4" creationId="{00000000-0000-0000-0000-000000000000}"/>
+          </ac:spMkLst>
+        </pc:spChg>
+      </pc:sldChg>
+      <pc:sldChg chg="modSp mod">
+        <pc:chgData name="Julia Moeller" userId="0bcb1583-c1a4-48b5-87e6-2cc074d2d571" providerId="ADAL" clId="{6EB750B9-5FA5-4ADA-87B7-5DA225928C11}" dt="2023-09-29T13:52:47.621" v="167" actId="1076"/>
+        <pc:sldMkLst>
+          <pc:docMk/>
+          <pc:sldMk cId="4176383607" sldId="299"/>
+        </pc:sldMkLst>
+        <pc:spChg chg="mod">
+          <ac:chgData name="Julia Moeller" userId="0bcb1583-c1a4-48b5-87e6-2cc074d2d571" providerId="ADAL" clId="{6EB750B9-5FA5-4ADA-87B7-5DA225928C11}" dt="2023-09-29T10:02:38.900" v="12" actId="255"/>
+          <ac:spMkLst>
+            <pc:docMk/>
+            <pc:sldMk cId="4176383607" sldId="299"/>
+            <ac:spMk id="3" creationId="{00000000-0000-0000-0000-000000000000}"/>
+          </ac:spMkLst>
+        </pc:spChg>
+        <pc:spChg chg="mod">
+          <ac:chgData name="Julia Moeller" userId="0bcb1583-c1a4-48b5-87e6-2cc074d2d571" providerId="ADAL" clId="{6EB750B9-5FA5-4ADA-87B7-5DA225928C11}" dt="2023-09-29T13:52:47.621" v="167" actId="1076"/>
+          <ac:spMkLst>
+            <pc:docMk/>
+            <pc:sldMk cId="4176383607" sldId="299"/>
+            <ac:spMk id="4" creationId="{00000000-0000-0000-0000-000000000000}"/>
+          </ac:spMkLst>
+        </pc:spChg>
+      </pc:sldChg>
+      <pc:sldChg chg="modSp mod">
+        <pc:chgData name="Julia Moeller" userId="0bcb1583-c1a4-48b5-87e6-2cc074d2d571" providerId="ADAL" clId="{6EB750B9-5FA5-4ADA-87B7-5DA225928C11}" dt="2023-10-03T14:09:25.233" v="1088" actId="1076"/>
+        <pc:sldMkLst>
+          <pc:docMk/>
+          <pc:sldMk cId="2046671304" sldId="300"/>
+        </pc:sldMkLst>
+        <pc:spChg chg="mod">
+          <ac:chgData name="Julia Moeller" userId="0bcb1583-c1a4-48b5-87e6-2cc074d2d571" providerId="ADAL" clId="{6EB750B9-5FA5-4ADA-87B7-5DA225928C11}" dt="2023-09-29T13:52:57.198" v="168" actId="1076"/>
+          <ac:spMkLst>
+            <pc:docMk/>
+            <pc:sldMk cId="2046671304" sldId="300"/>
+            <ac:spMk id="2" creationId="{00000000-0000-0000-0000-000000000000}"/>
+          </ac:spMkLst>
+        </pc:spChg>
+        <pc:spChg chg="mod">
+          <ac:chgData name="Julia Moeller" userId="0bcb1583-c1a4-48b5-87e6-2cc074d2d571" providerId="ADAL" clId="{6EB750B9-5FA5-4ADA-87B7-5DA225928C11}" dt="2023-10-03T14:09:17.353" v="1087" actId="1076"/>
+          <ac:spMkLst>
+            <pc:docMk/>
+            <pc:sldMk cId="2046671304" sldId="300"/>
+            <ac:spMk id="7" creationId="{00000000-0000-0000-0000-000000000000}"/>
+          </ac:spMkLst>
+        </pc:spChg>
+        <pc:picChg chg="mod modCrop">
+          <ac:chgData name="Julia Moeller" userId="0bcb1583-c1a4-48b5-87e6-2cc074d2d571" providerId="ADAL" clId="{6EB750B9-5FA5-4ADA-87B7-5DA225928C11}" dt="2023-10-03T14:09:25.233" v="1088" actId="1076"/>
+          <ac:picMkLst>
+            <pc:docMk/>
+            <pc:sldMk cId="2046671304" sldId="300"/>
+            <ac:picMk id="4" creationId="{91A359D6-E124-7DF5-19E6-03FD887398F1}"/>
+          </ac:picMkLst>
+        </pc:picChg>
+      </pc:sldChg>
+      <pc:sldChg chg="modSp mod">
+        <pc:chgData name="Julia Moeller" userId="0bcb1583-c1a4-48b5-87e6-2cc074d2d571" providerId="ADAL" clId="{6EB750B9-5FA5-4ADA-87B7-5DA225928C11}" dt="2023-09-29T14:04:13.794" v="178" actId="1076"/>
+        <pc:sldMkLst>
+          <pc:docMk/>
+          <pc:sldMk cId="2003884309" sldId="301"/>
+        </pc:sldMkLst>
+        <pc:spChg chg="mod">
+          <ac:chgData name="Julia Moeller" userId="0bcb1583-c1a4-48b5-87e6-2cc074d2d571" providerId="ADAL" clId="{6EB750B9-5FA5-4ADA-87B7-5DA225928C11}" dt="2023-09-29T14:04:13.794" v="178" actId="1076"/>
+          <ac:spMkLst>
+            <pc:docMk/>
+            <pc:sldMk cId="2003884309" sldId="301"/>
+            <ac:spMk id="3" creationId="{00000000-0000-0000-0000-000000000000}"/>
+          </ac:spMkLst>
+        </pc:spChg>
+        <pc:picChg chg="mod">
+          <ac:chgData name="Julia Moeller" userId="0bcb1583-c1a4-48b5-87e6-2cc074d2d571" providerId="ADAL" clId="{6EB750B9-5FA5-4ADA-87B7-5DA225928C11}" dt="2023-09-29T14:04:09.410" v="177" actId="1076"/>
+          <ac:picMkLst>
+            <pc:docMk/>
+            <pc:sldMk cId="2003884309" sldId="301"/>
+            <ac:picMk id="4" creationId="{812BF651-CB31-71C4-DD31-F4C67F79214D}"/>
+          </ac:picMkLst>
+        </pc:picChg>
+      </pc:sldChg>
+      <pc:sldChg chg="modSp mod">
+        <pc:chgData name="Julia Moeller" userId="0bcb1583-c1a4-48b5-87e6-2cc074d2d571" providerId="ADAL" clId="{6EB750B9-5FA5-4ADA-87B7-5DA225928C11}" dt="2023-09-29T14:12:52.907" v="187" actId="14100"/>
+        <pc:sldMkLst>
+          <pc:docMk/>
+          <pc:sldMk cId="712657126" sldId="303"/>
+        </pc:sldMkLst>
+        <pc:spChg chg="mod">
+          <ac:chgData name="Julia Moeller" userId="0bcb1583-c1a4-48b5-87e6-2cc074d2d571" providerId="ADAL" clId="{6EB750B9-5FA5-4ADA-87B7-5DA225928C11}" dt="2023-09-29T14:05:35.839" v="184" actId="12"/>
+          <ac:spMkLst>
+            <pc:docMk/>
+            <pc:sldMk cId="712657126" sldId="303"/>
+            <ac:spMk id="3" creationId="{00000000-0000-0000-0000-000000000000}"/>
+          </ac:spMkLst>
+        </pc:spChg>
+        <pc:picChg chg="mod">
+          <ac:chgData name="Julia Moeller" userId="0bcb1583-c1a4-48b5-87e6-2cc074d2d571" providerId="ADAL" clId="{6EB750B9-5FA5-4ADA-87B7-5DA225928C11}" dt="2023-09-29T14:12:52.907" v="187" actId="14100"/>
+          <ac:picMkLst>
+            <pc:docMk/>
+            <pc:sldMk cId="712657126" sldId="303"/>
+            <ac:picMk id="5" creationId="{097A1AE3-F784-7EDB-DD75-CC34D912EC92}"/>
+          </ac:picMkLst>
+        </pc:picChg>
+      </pc:sldChg>
+      <pc:sldChg chg="modSp mod">
+        <pc:chgData name="Julia Moeller" userId="0bcb1583-c1a4-48b5-87e6-2cc074d2d571" providerId="ADAL" clId="{6EB750B9-5FA5-4ADA-87B7-5DA225928C11}" dt="2023-09-29T14:13:26.325" v="196" actId="20577"/>
+        <pc:sldMkLst>
+          <pc:docMk/>
+          <pc:sldMk cId="3537477960" sldId="306"/>
+        </pc:sldMkLst>
+        <pc:spChg chg="mod">
+          <ac:chgData name="Julia Moeller" userId="0bcb1583-c1a4-48b5-87e6-2cc074d2d571" providerId="ADAL" clId="{6EB750B9-5FA5-4ADA-87B7-5DA225928C11}" dt="2023-09-29T11:43:20.157" v="161" actId="20577"/>
+          <ac:spMkLst>
+            <pc:docMk/>
+            <pc:sldMk cId="3537477960" sldId="306"/>
+            <ac:spMk id="2" creationId="{00000000-0000-0000-0000-000000000000}"/>
+          </ac:spMkLst>
+        </pc:spChg>
+        <pc:spChg chg="mod">
+          <ac:chgData name="Julia Moeller" userId="0bcb1583-c1a4-48b5-87e6-2cc074d2d571" providerId="ADAL" clId="{6EB750B9-5FA5-4ADA-87B7-5DA225928C11}" dt="2023-09-29T11:14:44.748" v="82" actId="1076"/>
+          <ac:spMkLst>
+            <pc:docMk/>
+            <pc:sldMk cId="3537477960" sldId="306"/>
+            <ac:spMk id="8" creationId="{00000000-0000-0000-0000-000000000000}"/>
+          </ac:spMkLst>
+        </pc:spChg>
+        <pc:spChg chg="mod">
+          <ac:chgData name="Julia Moeller" userId="0bcb1583-c1a4-48b5-87e6-2cc074d2d571" providerId="ADAL" clId="{6EB750B9-5FA5-4ADA-87B7-5DA225928C11}" dt="2023-09-29T14:13:26.325" v="196" actId="20577"/>
+          <ac:spMkLst>
+            <pc:docMk/>
+            <pc:sldMk cId="3537477960" sldId="306"/>
+            <ac:spMk id="9" creationId="{00000000-0000-0000-0000-000000000000}"/>
+          </ac:spMkLst>
+        </pc:spChg>
+        <pc:picChg chg="mod">
+          <ac:chgData name="Julia Moeller" userId="0bcb1583-c1a4-48b5-87e6-2cc074d2d571" providerId="ADAL" clId="{6EB750B9-5FA5-4ADA-87B7-5DA225928C11}" dt="2023-09-29T10:11:12.878" v="56" actId="1076"/>
+          <ac:picMkLst>
+            <pc:docMk/>
+            <pc:sldMk cId="3537477960" sldId="306"/>
+            <ac:picMk id="4" creationId="{9ABAD22A-C59B-7A80-1FDB-F161E5AF2631}"/>
+          </ac:picMkLst>
+        </pc:picChg>
+      </pc:sldChg>
+      <pc:sldChg chg="modSp mod">
+        <pc:chgData name="Julia Moeller" userId="0bcb1583-c1a4-48b5-87e6-2cc074d2d571" providerId="ADAL" clId="{6EB750B9-5FA5-4ADA-87B7-5DA225928C11}" dt="2023-09-29T14:38:11.839" v="360" actId="20577"/>
+        <pc:sldMkLst>
+          <pc:docMk/>
+          <pc:sldMk cId="3320271262" sldId="307"/>
+        </pc:sldMkLst>
+        <pc:spChg chg="mod">
+          <ac:chgData name="Julia Moeller" userId="0bcb1583-c1a4-48b5-87e6-2cc074d2d571" providerId="ADAL" clId="{6EB750B9-5FA5-4ADA-87B7-5DA225928C11}" dt="2023-09-29T11:43:23.052" v="164" actId="20577"/>
+          <ac:spMkLst>
+            <pc:docMk/>
+            <pc:sldMk cId="3320271262" sldId="307"/>
+            <ac:spMk id="2" creationId="{00000000-0000-0000-0000-000000000000}"/>
+          </ac:spMkLst>
+        </pc:spChg>
+        <pc:spChg chg="mod">
+          <ac:chgData name="Julia Moeller" userId="0bcb1583-c1a4-48b5-87e6-2cc074d2d571" providerId="ADAL" clId="{6EB750B9-5FA5-4ADA-87B7-5DA225928C11}" dt="2023-09-29T14:38:11.839" v="360" actId="20577"/>
+          <ac:spMkLst>
+            <pc:docMk/>
+            <pc:sldMk cId="3320271262" sldId="307"/>
+            <ac:spMk id="6" creationId="{00000000-0000-0000-0000-000000000000}"/>
+          </ac:spMkLst>
+        </pc:spChg>
+        <pc:spChg chg="mod">
+          <ac:chgData name="Julia Moeller" userId="0bcb1583-c1a4-48b5-87e6-2cc074d2d571" providerId="ADAL" clId="{6EB750B9-5FA5-4ADA-87B7-5DA225928C11}" dt="2023-09-29T11:19:16.002" v="122" actId="12"/>
+          <ac:spMkLst>
+            <pc:docMk/>
+            <pc:sldMk cId="3320271262" sldId="307"/>
+            <ac:spMk id="8" creationId="{00000000-0000-0000-0000-000000000000}"/>
+          </ac:spMkLst>
+        </pc:spChg>
+        <pc:picChg chg="mod">
+          <ac:chgData name="Julia Moeller" userId="0bcb1583-c1a4-48b5-87e6-2cc074d2d571" providerId="ADAL" clId="{6EB750B9-5FA5-4ADA-87B7-5DA225928C11}" dt="2023-09-29T11:15:26.963" v="89" actId="1076"/>
+          <ac:picMkLst>
+            <pc:docMk/>
+            <pc:sldMk cId="3320271262" sldId="307"/>
+            <ac:picMk id="11" creationId="{B8F3A698-589B-A88D-A360-5E5A1359344B}"/>
+          </ac:picMkLst>
+        </pc:picChg>
+      </pc:sldChg>
+      <pc:sldChg chg="delSp modSp mod">
+        <pc:chgData name="Julia Moeller" userId="0bcb1583-c1a4-48b5-87e6-2cc074d2d571" providerId="ADAL" clId="{6EB750B9-5FA5-4ADA-87B7-5DA225928C11}" dt="2023-09-29T14:43:51.284" v="362" actId="20577"/>
+        <pc:sldMkLst>
+          <pc:docMk/>
+          <pc:sldMk cId="4246129325" sldId="309"/>
+        </pc:sldMkLst>
+        <pc:spChg chg="mod">
+          <ac:chgData name="Julia Moeller" userId="0bcb1583-c1a4-48b5-87e6-2cc074d2d571" providerId="ADAL" clId="{6EB750B9-5FA5-4ADA-87B7-5DA225928C11}" dt="2023-09-29T14:43:51.284" v="362" actId="20577"/>
+          <ac:spMkLst>
+            <pc:docMk/>
+            <pc:sldMk cId="4246129325" sldId="309"/>
+            <ac:spMk id="2" creationId="{00000000-0000-0000-0000-000000000000}"/>
+          </ac:spMkLst>
+        </pc:spChg>
+        <pc:spChg chg="mod">
+          <ac:chgData name="Julia Moeller" userId="0bcb1583-c1a4-48b5-87e6-2cc074d2d571" providerId="ADAL" clId="{6EB750B9-5FA5-4ADA-87B7-5DA225928C11}" dt="2023-09-29T14:21:37.234" v="247" actId="1076"/>
+          <ac:spMkLst>
+            <pc:docMk/>
+            <pc:sldMk cId="4246129325" sldId="309"/>
+            <ac:spMk id="3" creationId="{00000000-0000-0000-0000-000000000000}"/>
+          </ac:spMkLst>
+        </pc:spChg>
+        <pc:spChg chg="del mod">
+          <ac:chgData name="Julia Moeller" userId="0bcb1583-c1a4-48b5-87e6-2cc074d2d571" providerId="ADAL" clId="{6EB750B9-5FA5-4ADA-87B7-5DA225928C11}" dt="2023-09-29T11:27:50.968" v="148" actId="478"/>
+          <ac:spMkLst>
+            <pc:docMk/>
+            <pc:sldMk cId="4246129325" sldId="309"/>
+            <ac:spMk id="5" creationId="{00000000-0000-0000-0000-000000000000}"/>
+          </ac:spMkLst>
+        </pc:spChg>
+      </pc:sldChg>
+      <pc:sldChg chg="modSp mod">
+        <pc:chgData name="Julia Moeller" userId="0bcb1583-c1a4-48b5-87e6-2cc074d2d571" providerId="ADAL" clId="{6EB750B9-5FA5-4ADA-87B7-5DA225928C11}" dt="2023-09-29T14:43:55.555" v="365" actId="20577"/>
+        <pc:sldMkLst>
+          <pc:docMk/>
+          <pc:sldMk cId="1363176458" sldId="310"/>
+        </pc:sldMkLst>
+        <pc:spChg chg="mod">
+          <ac:chgData name="Julia Moeller" userId="0bcb1583-c1a4-48b5-87e6-2cc074d2d571" providerId="ADAL" clId="{6EB750B9-5FA5-4ADA-87B7-5DA225928C11}" dt="2023-09-29T14:43:55.555" v="365" actId="20577"/>
+          <ac:spMkLst>
+            <pc:docMk/>
+            <pc:sldMk cId="1363176458" sldId="310"/>
+            <ac:spMk id="2" creationId="{00000000-0000-0000-0000-000000000000}"/>
+          </ac:spMkLst>
+        </pc:spChg>
+        <pc:spChg chg="mod">
+          <ac:chgData name="Julia Moeller" userId="0bcb1583-c1a4-48b5-87e6-2cc074d2d571" providerId="ADAL" clId="{6EB750B9-5FA5-4ADA-87B7-5DA225928C11}" dt="2023-09-29T14:21:27.860" v="246" actId="1076"/>
+          <ac:spMkLst>
+            <pc:docMk/>
+            <pc:sldMk cId="1363176458" sldId="310"/>
+            <ac:spMk id="3" creationId="{00000000-0000-0000-0000-000000000000}"/>
+          </ac:spMkLst>
+        </pc:spChg>
+        <pc:picChg chg="mod">
+          <ac:chgData name="Julia Moeller" userId="0bcb1583-c1a4-48b5-87e6-2cc074d2d571" providerId="ADAL" clId="{6EB750B9-5FA5-4ADA-87B7-5DA225928C11}" dt="2023-09-29T14:21:19.341" v="243" actId="1076"/>
+          <ac:picMkLst>
+            <pc:docMk/>
+            <pc:sldMk cId="1363176458" sldId="310"/>
+            <ac:picMk id="4" creationId="{ED91E5D2-B13E-55D3-F90A-5BA2AE8FD10D}"/>
+          </ac:picMkLst>
+        </pc:picChg>
+      </pc:sldChg>
+      <pc:sldChg chg="addSp delSp modSp mod">
+        <pc:chgData name="Julia Moeller" userId="0bcb1583-c1a4-48b5-87e6-2cc074d2d571" providerId="ADAL" clId="{6EB750B9-5FA5-4ADA-87B7-5DA225928C11}" dt="2023-09-29T14:43:59.066" v="366" actId="20577"/>
+        <pc:sldMkLst>
+          <pc:docMk/>
+          <pc:sldMk cId="2842929610" sldId="311"/>
+        </pc:sldMkLst>
+        <pc:spChg chg="mod">
+          <ac:chgData name="Julia Moeller" userId="0bcb1583-c1a4-48b5-87e6-2cc074d2d571" providerId="ADAL" clId="{6EB750B9-5FA5-4ADA-87B7-5DA225928C11}" dt="2023-09-29T14:43:59.066" v="366" actId="20577"/>
+          <ac:spMkLst>
+            <pc:docMk/>
+            <pc:sldMk cId="2842929610" sldId="311"/>
+            <ac:spMk id="2" creationId="{00000000-0000-0000-0000-000000000000}"/>
+          </ac:spMkLst>
+        </pc:spChg>
+        <pc:spChg chg="del">
+          <ac:chgData name="Julia Moeller" userId="0bcb1583-c1a4-48b5-87e6-2cc074d2d571" providerId="ADAL" clId="{6EB750B9-5FA5-4ADA-87B7-5DA225928C11}" dt="2023-09-29T14:15:30.264" v="233" actId="478"/>
+          <ac:spMkLst>
+            <pc:docMk/>
+            <pc:sldMk cId="2842929610" sldId="311"/>
+            <ac:spMk id="3" creationId="{00000000-0000-0000-0000-000000000000}"/>
+          </ac:spMkLst>
+        </pc:spChg>
+        <pc:spChg chg="mod">
+          <ac:chgData name="Julia Moeller" userId="0bcb1583-c1a4-48b5-87e6-2cc074d2d571" providerId="ADAL" clId="{6EB750B9-5FA5-4ADA-87B7-5DA225928C11}" dt="2023-09-29T14:35:12.334" v="314" actId="12"/>
+          <ac:spMkLst>
+            <pc:docMk/>
+            <pc:sldMk cId="2842929610" sldId="311"/>
+            <ac:spMk id="6" creationId="{00000000-0000-0000-0000-000000000000}"/>
+          </ac:spMkLst>
+        </pc:spChg>
+        <pc:spChg chg="mod">
+          <ac:chgData name="Julia Moeller" userId="0bcb1583-c1a4-48b5-87e6-2cc074d2d571" providerId="ADAL" clId="{6EB750B9-5FA5-4ADA-87B7-5DA225928C11}" dt="2023-09-29T14:35:27.180" v="315" actId="1076"/>
+          <ac:spMkLst>
+            <pc:docMk/>
+            <pc:sldMk cId="2842929610" sldId="311"/>
+            <ac:spMk id="7" creationId="{00000000-0000-0000-0000-000000000000}"/>
+          </ac:spMkLst>
+        </pc:spChg>
+        <pc:spChg chg="add del mod">
+          <ac:chgData name="Julia Moeller" userId="0bcb1583-c1a4-48b5-87e6-2cc074d2d571" providerId="ADAL" clId="{6EB750B9-5FA5-4ADA-87B7-5DA225928C11}" dt="2023-09-29T14:15:35.823" v="234" actId="478"/>
+          <ac:spMkLst>
+            <pc:docMk/>
+            <pc:sldMk cId="2842929610" sldId="311"/>
+            <ac:spMk id="8" creationId="{370685E3-3FE3-41FE-86EE-77A0994809A9}"/>
+          </ac:spMkLst>
+        </pc:spChg>
+        <pc:picChg chg="mod">
+          <ac:chgData name="Julia Moeller" userId="0bcb1583-c1a4-48b5-87e6-2cc074d2d571" providerId="ADAL" clId="{6EB750B9-5FA5-4ADA-87B7-5DA225928C11}" dt="2023-09-29T14:34:24.075" v="297" actId="1076"/>
+          <ac:picMkLst>
+            <pc:docMk/>
+            <pc:sldMk cId="2842929610" sldId="311"/>
+            <ac:picMk id="4" creationId="{D686DC9A-1B32-EF1D-95FF-550D636F4191}"/>
+          </ac:picMkLst>
+        </pc:picChg>
+      </pc:sldChg>
+      <pc:sldChg chg="delSp modSp mod">
+        <pc:chgData name="Julia Moeller" userId="0bcb1583-c1a4-48b5-87e6-2cc074d2d571" providerId="ADAL" clId="{6EB750B9-5FA5-4ADA-87B7-5DA225928C11}" dt="2023-10-03T14:09:42.820" v="1089" actId="1076"/>
+        <pc:sldMkLst>
+          <pc:docMk/>
+          <pc:sldMk cId="2913547689" sldId="313"/>
+        </pc:sldMkLst>
+        <pc:spChg chg="mod">
+          <ac:chgData name="Julia Moeller" userId="0bcb1583-c1a4-48b5-87e6-2cc074d2d571" providerId="ADAL" clId="{6EB750B9-5FA5-4ADA-87B7-5DA225928C11}" dt="2023-09-29T14:44:02.785" v="367" actId="20577"/>
+          <ac:spMkLst>
+            <pc:docMk/>
+            <pc:sldMk cId="2913547689" sldId="313"/>
+            <ac:spMk id="2" creationId="{00000000-0000-0000-0000-000000000000}"/>
+          </ac:spMkLst>
+        </pc:spChg>
+        <pc:spChg chg="mod">
+          <ac:chgData name="Julia Moeller" userId="0bcb1583-c1a4-48b5-87e6-2cc074d2d571" providerId="ADAL" clId="{6EB750B9-5FA5-4ADA-87B7-5DA225928C11}" dt="2023-09-29T14:49:10.101" v="473" actId="207"/>
+          <ac:spMkLst>
+            <pc:docMk/>
+            <pc:sldMk cId="2913547689" sldId="313"/>
+            <ac:spMk id="7" creationId="{00000000-0000-0000-0000-000000000000}"/>
+          </ac:spMkLst>
+        </pc:spChg>
+        <pc:spChg chg="del mod">
+          <ac:chgData name="Julia Moeller" userId="0bcb1583-c1a4-48b5-87e6-2cc074d2d571" providerId="ADAL" clId="{6EB750B9-5FA5-4ADA-87B7-5DA225928C11}" dt="2023-09-29T14:36:55.383" v="341"/>
+          <ac:spMkLst>
+            <pc:docMk/>
+            <pc:sldMk cId="2913547689" sldId="313"/>
+            <ac:spMk id="8" creationId="{00000000-0000-0000-0000-000000000000}"/>
+          </ac:spMkLst>
+        </pc:spChg>
+        <pc:spChg chg="del">
+          <ac:chgData name="Julia Moeller" userId="0bcb1583-c1a4-48b5-87e6-2cc074d2d571" providerId="ADAL" clId="{6EB750B9-5FA5-4ADA-87B7-5DA225928C11}" dt="2023-09-29T14:36:55.383" v="339" actId="478"/>
+          <ac:spMkLst>
+            <pc:docMk/>
+            <pc:sldMk cId="2913547689" sldId="313"/>
+            <ac:spMk id="9" creationId="{00000000-0000-0000-0000-000000000000}"/>
+          </ac:spMkLst>
+        </pc:spChg>
+        <pc:picChg chg="mod">
+          <ac:chgData name="Julia Moeller" userId="0bcb1583-c1a4-48b5-87e6-2cc074d2d571" providerId="ADAL" clId="{6EB750B9-5FA5-4ADA-87B7-5DA225928C11}" dt="2023-10-03T14:09:42.820" v="1089" actId="1076"/>
+          <ac:picMkLst>
+            <pc:docMk/>
+            <pc:sldMk cId="2913547689" sldId="313"/>
+            <ac:picMk id="3" creationId="{782C13E4-9E0C-78A7-9E4B-0A4A4F9B1ECE}"/>
+          </ac:picMkLst>
+        </pc:picChg>
+      </pc:sldChg>
+      <pc:sldChg chg="modSp mod">
+        <pc:chgData name="Julia Moeller" userId="0bcb1583-c1a4-48b5-87e6-2cc074d2d571" providerId="ADAL" clId="{6EB750B9-5FA5-4ADA-87B7-5DA225928C11}" dt="2023-09-29T14:53:05.584" v="514" actId="1076"/>
+        <pc:sldMkLst>
+          <pc:docMk/>
+          <pc:sldMk cId="4121411077" sldId="315"/>
+        </pc:sldMkLst>
+        <pc:spChg chg="mod">
+          <ac:chgData name="Julia Moeller" userId="0bcb1583-c1a4-48b5-87e6-2cc074d2d571" providerId="ADAL" clId="{6EB750B9-5FA5-4ADA-87B7-5DA225928C11}" dt="2023-09-29T14:53:05.584" v="514" actId="1076"/>
+          <ac:spMkLst>
+            <pc:docMk/>
+            <pc:sldMk cId="4121411077" sldId="315"/>
+            <ac:spMk id="3" creationId="{00000000-0000-0000-0000-000000000000}"/>
+          </ac:spMkLst>
+        </pc:spChg>
+        <pc:spChg chg="mod">
+          <ac:chgData name="Julia Moeller" userId="0bcb1583-c1a4-48b5-87e6-2cc074d2d571" providerId="ADAL" clId="{6EB750B9-5FA5-4ADA-87B7-5DA225928C11}" dt="2023-09-29T14:50:01.837" v="477" actId="21"/>
+          <ac:spMkLst>
+            <pc:docMk/>
+            <pc:sldMk cId="4121411077" sldId="315"/>
+            <ac:spMk id="5" creationId="{00000000-0000-0000-0000-000000000000}"/>
+          </ac:spMkLst>
+        </pc:spChg>
+      </pc:sldChg>
+      <pc:sldChg chg="modSp mod">
+        <pc:chgData name="Julia Moeller" userId="0bcb1583-c1a4-48b5-87e6-2cc074d2d571" providerId="ADAL" clId="{6EB750B9-5FA5-4ADA-87B7-5DA225928C11}" dt="2023-09-29T14:53:48.396" v="522" actId="1076"/>
+        <pc:sldMkLst>
+          <pc:docMk/>
+          <pc:sldMk cId="2920371790" sldId="316"/>
+        </pc:sldMkLst>
+        <pc:spChg chg="mod">
+          <ac:chgData name="Julia Moeller" userId="0bcb1583-c1a4-48b5-87e6-2cc074d2d571" providerId="ADAL" clId="{6EB750B9-5FA5-4ADA-87B7-5DA225928C11}" dt="2023-09-29T14:50:48.865" v="490" actId="20577"/>
+          <ac:spMkLst>
+            <pc:docMk/>
+            <pc:sldMk cId="2920371790" sldId="316"/>
+            <ac:spMk id="2" creationId="{00000000-0000-0000-0000-000000000000}"/>
+          </ac:spMkLst>
+        </pc:spChg>
+        <pc:spChg chg="mod">
+          <ac:chgData name="Julia Moeller" userId="0bcb1583-c1a4-48b5-87e6-2cc074d2d571" providerId="ADAL" clId="{6EB750B9-5FA5-4ADA-87B7-5DA225928C11}" dt="2023-09-29T14:53:17.498" v="515" actId="1076"/>
+          <ac:spMkLst>
+            <pc:docMk/>
+            <pc:sldMk cId="2920371790" sldId="316"/>
+            <ac:spMk id="3" creationId="{00000000-0000-0000-0000-000000000000}"/>
+          </ac:spMkLst>
+        </pc:spChg>
+        <pc:spChg chg="mod">
+          <ac:chgData name="Julia Moeller" userId="0bcb1583-c1a4-48b5-87e6-2cc074d2d571" providerId="ADAL" clId="{6EB750B9-5FA5-4ADA-87B7-5DA225928C11}" dt="2023-09-29T14:53:42.749" v="520" actId="1076"/>
+          <ac:spMkLst>
+            <pc:docMk/>
+            <pc:sldMk cId="2920371790" sldId="316"/>
+            <ac:spMk id="5" creationId="{00000000-0000-0000-0000-000000000000}"/>
+          </ac:spMkLst>
+        </pc:spChg>
+        <pc:spChg chg="mod">
+          <ac:chgData name="Julia Moeller" userId="0bcb1583-c1a4-48b5-87e6-2cc074d2d571" providerId="ADAL" clId="{6EB750B9-5FA5-4ADA-87B7-5DA225928C11}" dt="2023-09-29T14:53:48.396" v="522" actId="1076"/>
+          <ac:spMkLst>
+            <pc:docMk/>
+            <pc:sldMk cId="2920371790" sldId="316"/>
+            <ac:spMk id="6" creationId="{00000000-0000-0000-0000-000000000000}"/>
+          </ac:spMkLst>
+        </pc:spChg>
+      </pc:sldChg>
+      <pc:sldChg chg="addSp delSp modSp mod">
+        <pc:chgData name="Julia Moeller" userId="0bcb1583-c1a4-48b5-87e6-2cc074d2d571" providerId="ADAL" clId="{6EB750B9-5FA5-4ADA-87B7-5DA225928C11}" dt="2023-10-03T14:10:23.777" v="1098" actId="1076"/>
+        <pc:sldMkLst>
+          <pc:docMk/>
+          <pc:sldMk cId="2942730538" sldId="317"/>
+        </pc:sldMkLst>
+        <pc:spChg chg="mod">
+          <ac:chgData name="Julia Moeller" userId="0bcb1583-c1a4-48b5-87e6-2cc074d2d571" providerId="ADAL" clId="{6EB750B9-5FA5-4ADA-87B7-5DA225928C11}" dt="2023-09-29T15:05:44.948" v="559" actId="20577"/>
+          <ac:spMkLst>
+            <pc:docMk/>
+            <pc:sldMk cId="2942730538" sldId="317"/>
+            <ac:spMk id="2" creationId="{00000000-0000-0000-0000-000000000000}"/>
+          </ac:spMkLst>
+        </pc:spChg>
+        <pc:spChg chg="add mod ord">
+          <ac:chgData name="Julia Moeller" userId="0bcb1583-c1a4-48b5-87e6-2cc074d2d571" providerId="ADAL" clId="{6EB750B9-5FA5-4ADA-87B7-5DA225928C11}" dt="2023-10-03T14:10:03.670" v="1093" actId="164"/>
+          <ac:spMkLst>
+            <pc:docMk/>
+            <pc:sldMk cId="2942730538" sldId="317"/>
+            <ac:spMk id="4" creationId="{C643A2A2-CE89-75AE-B7F2-E74FA653BA45}"/>
+          </ac:spMkLst>
+        </pc:spChg>
+        <pc:spChg chg="add mod ord">
+          <ac:chgData name="Julia Moeller" userId="0bcb1583-c1a4-48b5-87e6-2cc074d2d571" providerId="ADAL" clId="{6EB750B9-5FA5-4ADA-87B7-5DA225928C11}" dt="2023-10-03T14:10:03.670" v="1093" actId="164"/>
+          <ac:spMkLst>
+            <pc:docMk/>
+            <pc:sldMk cId="2942730538" sldId="317"/>
+            <ac:spMk id="5" creationId="{ED759791-3CA4-7609-2020-1AE5C8265B36}"/>
+          </ac:spMkLst>
+        </pc:spChg>
+        <pc:spChg chg="mod">
+          <ac:chgData name="Julia Moeller" userId="0bcb1583-c1a4-48b5-87e6-2cc074d2d571" providerId="ADAL" clId="{6EB750B9-5FA5-4ADA-87B7-5DA225928C11}" dt="2023-10-03T14:10:23.777" v="1098" actId="1076"/>
+          <ac:spMkLst>
+            <pc:docMk/>
+            <pc:sldMk cId="2942730538" sldId="317"/>
+            <ac:spMk id="6" creationId="{00000000-0000-0000-0000-000000000000}"/>
+          </ac:spMkLst>
+        </pc:spChg>
+        <pc:spChg chg="mod ord">
+          <ac:chgData name="Julia Moeller" userId="0bcb1583-c1a4-48b5-87e6-2cc074d2d571" providerId="ADAL" clId="{6EB750B9-5FA5-4ADA-87B7-5DA225928C11}" dt="2023-10-03T14:10:03.670" v="1093" actId="164"/>
+          <ac:spMkLst>
+            <pc:docMk/>
+            <pc:sldMk cId="2942730538" sldId="317"/>
+            <ac:spMk id="12" creationId="{00000000-0000-0000-0000-000000000000}"/>
+          </ac:spMkLst>
+        </pc:spChg>
+        <pc:grpChg chg="add mod">
+          <ac:chgData name="Julia Moeller" userId="0bcb1583-c1a4-48b5-87e6-2cc074d2d571" providerId="ADAL" clId="{6EB750B9-5FA5-4ADA-87B7-5DA225928C11}" dt="2023-10-03T14:10:14.912" v="1097" actId="1076"/>
+          <ac:grpSpMkLst>
+            <pc:docMk/>
+            <pc:sldMk cId="2942730538" sldId="317"/>
+            <ac:grpSpMk id="7" creationId="{18C20164-7518-D100-68C5-A2800B1F09DD}"/>
+          </ac:grpSpMkLst>
+        </pc:grpChg>
+        <pc:picChg chg="mod ord">
+          <ac:chgData name="Julia Moeller" userId="0bcb1583-c1a4-48b5-87e6-2cc074d2d571" providerId="ADAL" clId="{6EB750B9-5FA5-4ADA-87B7-5DA225928C11}" dt="2023-10-03T14:10:03.670" v="1093" actId="164"/>
+          <ac:picMkLst>
+            <pc:docMk/>
+            <pc:sldMk cId="2942730538" sldId="317"/>
+            <ac:picMk id="3" creationId="{82C16A65-884D-0B70-29D7-2117FC4F72FD}"/>
+          </ac:picMkLst>
+        </pc:picChg>
+        <pc:cxnChg chg="del mod">
+          <ac:chgData name="Julia Moeller" userId="0bcb1583-c1a4-48b5-87e6-2cc074d2d571" providerId="ADAL" clId="{6EB750B9-5FA5-4ADA-87B7-5DA225928C11}" dt="2023-09-29T14:59:50.801" v="536" actId="478"/>
+          <ac:cxnSpMkLst>
+            <pc:docMk/>
+            <pc:sldMk cId="2942730538" sldId="317"/>
+            <ac:cxnSpMk id="7" creationId="{00000000-0000-0000-0000-000000000000}"/>
+          </ac:cxnSpMkLst>
+        </pc:cxnChg>
+        <pc:cxnChg chg="del">
+          <ac:chgData name="Julia Moeller" userId="0bcb1583-c1a4-48b5-87e6-2cc074d2d571" providerId="ADAL" clId="{6EB750B9-5FA5-4ADA-87B7-5DA225928C11}" dt="2023-09-29T14:59:52.989" v="537" actId="478"/>
+          <ac:cxnSpMkLst>
+            <pc:docMk/>
+            <pc:sldMk cId="2942730538" sldId="317"/>
+            <ac:cxnSpMk id="10" creationId="{00000000-0000-0000-0000-000000000000}"/>
+          </ac:cxnSpMkLst>
+        </pc:cxnChg>
+      </pc:sldChg>
+      <pc:sldChg chg="modSp mod">
+        <pc:chgData name="Julia Moeller" userId="0bcb1583-c1a4-48b5-87e6-2cc074d2d571" providerId="ADAL" clId="{6EB750B9-5FA5-4ADA-87B7-5DA225928C11}" dt="2023-09-29T15:08:23.806" v="685" actId="20577"/>
+        <pc:sldMkLst>
+          <pc:docMk/>
+          <pc:sldMk cId="388144940" sldId="318"/>
+        </pc:sldMkLst>
+        <pc:spChg chg="mod">
+          <ac:chgData name="Julia Moeller" userId="0bcb1583-c1a4-48b5-87e6-2cc074d2d571" providerId="ADAL" clId="{6EB750B9-5FA5-4ADA-87B7-5DA225928C11}" dt="2023-09-29T15:05:41.724" v="558" actId="20577"/>
+          <ac:spMkLst>
+            <pc:docMk/>
+            <pc:sldMk cId="388144940" sldId="318"/>
+            <ac:spMk id="2" creationId="{00000000-0000-0000-0000-000000000000}"/>
+          </ac:spMkLst>
+        </pc:spChg>
+        <pc:spChg chg="mod">
+          <ac:chgData name="Julia Moeller" userId="0bcb1583-c1a4-48b5-87e6-2cc074d2d571" providerId="ADAL" clId="{6EB750B9-5FA5-4ADA-87B7-5DA225928C11}" dt="2023-09-29T15:08:23.806" v="685" actId="20577"/>
+          <ac:spMkLst>
+            <pc:docMk/>
+            <pc:sldMk cId="388144940" sldId="318"/>
+            <ac:spMk id="3" creationId="{00000000-0000-0000-0000-000000000000}"/>
+          </ac:spMkLst>
+        </pc:spChg>
+      </pc:sldChg>
+      <pc:sldChg chg="addSp delSp modSp mod">
+        <pc:chgData name="Julia Moeller" userId="0bcb1583-c1a4-48b5-87e6-2cc074d2d571" providerId="ADAL" clId="{6EB750B9-5FA5-4ADA-87B7-5DA225928C11}" dt="2023-10-03T17:45:23.917" v="1669" actId="1076"/>
+        <pc:sldMkLst>
+          <pc:docMk/>
+          <pc:sldMk cId="1899650122" sldId="319"/>
+        </pc:sldMkLst>
+        <pc:spChg chg="mod">
+          <ac:chgData name="Julia Moeller" userId="0bcb1583-c1a4-48b5-87e6-2cc074d2d571" providerId="ADAL" clId="{6EB750B9-5FA5-4ADA-87B7-5DA225928C11}" dt="2023-10-03T16:55:22.621" v="1134" actId="20577"/>
+          <ac:spMkLst>
+            <pc:docMk/>
+            <pc:sldMk cId="1899650122" sldId="319"/>
+            <ac:spMk id="2" creationId="{00000000-0000-0000-0000-000000000000}"/>
+          </ac:spMkLst>
+        </pc:spChg>
+        <pc:spChg chg="add mod">
+          <ac:chgData name="Julia Moeller" userId="0bcb1583-c1a4-48b5-87e6-2cc074d2d571" providerId="ADAL" clId="{6EB750B9-5FA5-4ADA-87B7-5DA225928C11}" dt="2023-10-03T14:04:35.749" v="1052" actId="164"/>
+          <ac:spMkLst>
+            <pc:docMk/>
+            <pc:sldMk cId="1899650122" sldId="319"/>
+            <ac:spMk id="3" creationId="{53D9EBC1-5B79-CCB0-E5DB-7B18A358E79A}"/>
+          </ac:spMkLst>
+        </pc:spChg>
+        <pc:spChg chg="add mod">
+          <ac:chgData name="Julia Moeller" userId="0bcb1583-c1a4-48b5-87e6-2cc074d2d571" providerId="ADAL" clId="{6EB750B9-5FA5-4ADA-87B7-5DA225928C11}" dt="2023-10-03T14:04:35.749" v="1052" actId="164"/>
+          <ac:spMkLst>
+            <pc:docMk/>
+            <pc:sldMk cId="1899650122" sldId="319"/>
+            <ac:spMk id="4" creationId="{C66925BA-7B49-59BA-4765-E1DCB4F2E5BF}"/>
+          </ac:spMkLst>
+        </pc:spChg>
+        <pc:spChg chg="mod">
+          <ac:chgData name="Julia Moeller" userId="0bcb1583-c1a4-48b5-87e6-2cc074d2d571" providerId="ADAL" clId="{6EB750B9-5FA5-4ADA-87B7-5DA225928C11}" dt="2023-10-03T17:45:17.718" v="1668" actId="20577"/>
+          <ac:spMkLst>
+            <pc:docMk/>
+            <pc:sldMk cId="1899650122" sldId="319"/>
+            <ac:spMk id="13" creationId="{00000000-0000-0000-0000-000000000000}"/>
+          </ac:spMkLst>
+        </pc:spChg>
+        <pc:spChg chg="del mod">
+          <ac:chgData name="Julia Moeller" userId="0bcb1583-c1a4-48b5-87e6-2cc074d2d571" providerId="ADAL" clId="{6EB750B9-5FA5-4ADA-87B7-5DA225928C11}" dt="2023-10-03T13:58:54.501" v="993" actId="478"/>
+          <ac:spMkLst>
+            <pc:docMk/>
+            <pc:sldMk cId="1899650122" sldId="319"/>
+            <ac:spMk id="14" creationId="{00000000-0000-0000-0000-000000000000}"/>
+          </ac:spMkLst>
+        </pc:spChg>
+        <pc:spChg chg="del">
+          <ac:chgData name="Julia Moeller" userId="0bcb1583-c1a4-48b5-87e6-2cc074d2d571" providerId="ADAL" clId="{6EB750B9-5FA5-4ADA-87B7-5DA225928C11}" dt="2023-10-03T11:14:00.914" v="691" actId="478"/>
+          <ac:spMkLst>
+            <pc:docMk/>
+            <pc:sldMk cId="1899650122" sldId="319"/>
+            <ac:spMk id="18" creationId="{00000000-0000-0000-0000-000000000000}"/>
+          </ac:spMkLst>
+        </pc:spChg>
+        <pc:spChg chg="del mod">
+          <ac:chgData name="Julia Moeller" userId="0bcb1583-c1a4-48b5-87e6-2cc074d2d571" providerId="ADAL" clId="{6EB750B9-5FA5-4ADA-87B7-5DA225928C11}" dt="2023-10-03T14:03:31.845" v="1040" actId="478"/>
+          <ac:spMkLst>
+            <pc:docMk/>
+            <pc:sldMk cId="1899650122" sldId="319"/>
+            <ac:spMk id="20" creationId="{00000000-0000-0000-0000-000000000000}"/>
+          </ac:spMkLst>
+        </pc:spChg>
+        <pc:grpChg chg="add mod">
+          <ac:chgData name="Julia Moeller" userId="0bcb1583-c1a4-48b5-87e6-2cc074d2d571" providerId="ADAL" clId="{6EB750B9-5FA5-4ADA-87B7-5DA225928C11}" dt="2023-10-03T17:45:23.917" v="1669" actId="1076"/>
+          <ac:grpSpMkLst>
+            <pc:docMk/>
+            <pc:sldMk cId="1899650122" sldId="319"/>
+            <ac:grpSpMk id="5" creationId="{DD893FB6-76F6-7842-D8AC-A55CB65D4375}"/>
+          </ac:grpSpMkLst>
+        </pc:grpChg>
+        <pc:picChg chg="mod">
+          <ac:chgData name="Julia Moeller" userId="0bcb1583-c1a4-48b5-87e6-2cc074d2d571" providerId="ADAL" clId="{6EB750B9-5FA5-4ADA-87B7-5DA225928C11}" dt="2023-10-03T14:04:35.749" v="1052" actId="164"/>
+          <ac:picMkLst>
+            <pc:docMk/>
+            <pc:sldMk cId="1899650122" sldId="319"/>
+            <ac:picMk id="9" creationId="{6EBDC4FD-E5D8-590D-A85A-92F4F8A2CC22}"/>
+          </ac:picMkLst>
+        </pc:picChg>
+        <pc:cxnChg chg="del">
+          <ac:chgData name="Julia Moeller" userId="0bcb1583-c1a4-48b5-87e6-2cc074d2d571" providerId="ADAL" clId="{6EB750B9-5FA5-4ADA-87B7-5DA225928C11}" dt="2023-10-03T11:13:57.026" v="688" actId="478"/>
+          <ac:cxnSpMkLst>
+            <pc:docMk/>
+            <pc:sldMk cId="1899650122" sldId="319"/>
+            <ac:cxnSpMk id="7" creationId="{00000000-0000-0000-0000-000000000000}"/>
+          </ac:cxnSpMkLst>
+        </pc:cxnChg>
+        <pc:cxnChg chg="del mod">
+          <ac:chgData name="Julia Moeller" userId="0bcb1583-c1a4-48b5-87e6-2cc074d2d571" providerId="ADAL" clId="{6EB750B9-5FA5-4ADA-87B7-5DA225928C11}" dt="2023-10-03T11:13:56.161" v="687" actId="478"/>
+          <ac:cxnSpMkLst>
+            <pc:docMk/>
+            <pc:sldMk cId="1899650122" sldId="319"/>
+            <ac:cxnSpMk id="11" creationId="{00000000-0000-0000-0000-000000000000}"/>
+          </ac:cxnSpMkLst>
+        </pc:cxnChg>
+        <pc:cxnChg chg="del">
+          <ac:chgData name="Julia Moeller" userId="0bcb1583-c1a4-48b5-87e6-2cc074d2d571" providerId="ADAL" clId="{6EB750B9-5FA5-4ADA-87B7-5DA225928C11}" dt="2023-10-03T11:13:58.044" v="689" actId="478"/>
+          <ac:cxnSpMkLst>
+            <pc:docMk/>
+            <pc:sldMk cId="1899650122" sldId="319"/>
+            <ac:cxnSpMk id="12" creationId="{00000000-0000-0000-0000-000000000000}"/>
+          </ac:cxnSpMkLst>
+        </pc:cxnChg>
+        <pc:cxnChg chg="del">
+          <ac:chgData name="Julia Moeller" userId="0bcb1583-c1a4-48b5-87e6-2cc074d2d571" providerId="ADAL" clId="{6EB750B9-5FA5-4ADA-87B7-5DA225928C11}" dt="2023-10-03T11:13:59.178" v="690" actId="478"/>
+          <ac:cxnSpMkLst>
+            <pc:docMk/>
+            <pc:sldMk cId="1899650122" sldId="319"/>
+            <ac:cxnSpMk id="15" creationId="{00000000-0000-0000-0000-000000000000}"/>
+          </ac:cxnSpMkLst>
+        </pc:cxnChg>
+      </pc:sldChg>
+      <pc:sldChg chg="modSp mod">
+        <pc:chgData name="Julia Moeller" userId="0bcb1583-c1a4-48b5-87e6-2cc074d2d571" providerId="ADAL" clId="{6EB750B9-5FA5-4ADA-87B7-5DA225928C11}" dt="2023-10-03T17:45:47.689" v="1673" actId="207"/>
+        <pc:sldMkLst>
+          <pc:docMk/>
+          <pc:sldMk cId="3202354277" sldId="320"/>
+        </pc:sldMkLst>
+        <pc:spChg chg="mod">
+          <ac:chgData name="Julia Moeller" userId="0bcb1583-c1a4-48b5-87e6-2cc074d2d571" providerId="ADAL" clId="{6EB750B9-5FA5-4ADA-87B7-5DA225928C11}" dt="2023-10-03T16:55:29.671" v="1137" actId="20577"/>
+          <ac:spMkLst>
+            <pc:docMk/>
+            <pc:sldMk cId="3202354277" sldId="320"/>
+            <ac:spMk id="2" creationId="{00000000-0000-0000-0000-000000000000}"/>
+          </ac:spMkLst>
+        </pc:spChg>
+        <pc:spChg chg="mod">
+          <ac:chgData name="Julia Moeller" userId="0bcb1583-c1a4-48b5-87e6-2cc074d2d571" providerId="ADAL" clId="{6EB750B9-5FA5-4ADA-87B7-5DA225928C11}" dt="2023-10-03T17:45:47.689" v="1673" actId="207"/>
+          <ac:spMkLst>
+            <pc:docMk/>
+            <pc:sldMk cId="3202354277" sldId="320"/>
+            <ac:spMk id="3" creationId="{00000000-0000-0000-0000-000000000000}"/>
+          </ac:spMkLst>
+        </pc:spChg>
+        <pc:spChg chg="mod">
+          <ac:chgData name="Julia Moeller" userId="0bcb1583-c1a4-48b5-87e6-2cc074d2d571" providerId="ADAL" clId="{6EB750B9-5FA5-4ADA-87B7-5DA225928C11}" dt="2023-10-03T16:57:33.044" v="1238" actId="21"/>
+          <ac:spMkLst>
+            <pc:docMk/>
+            <pc:sldMk cId="3202354277" sldId="320"/>
+            <ac:spMk id="8" creationId="{00000000-0000-0000-0000-000000000000}"/>
+          </ac:spMkLst>
+        </pc:spChg>
+        <pc:picChg chg="mod">
+          <ac:chgData name="Julia Moeller" userId="0bcb1583-c1a4-48b5-87e6-2cc074d2d571" providerId="ADAL" clId="{6EB750B9-5FA5-4ADA-87B7-5DA225928C11}" dt="2023-10-03T17:10:12.067" v="1454" actId="1076"/>
+          <ac:picMkLst>
+            <pc:docMk/>
+            <pc:sldMk cId="3202354277" sldId="320"/>
+            <ac:picMk id="6" creationId="{79C440EC-A07D-DEC2-FD9C-AAD6A47FA915}"/>
+          </ac:picMkLst>
+        </pc:picChg>
+      </pc:sldChg>
+      <pc:sldChg chg="modSp mod">
+        <pc:chgData name="Julia Moeller" userId="0bcb1583-c1a4-48b5-87e6-2cc074d2d571" providerId="ADAL" clId="{6EB750B9-5FA5-4ADA-87B7-5DA225928C11}" dt="2023-10-03T17:32:19.854" v="1532" actId="1076"/>
+        <pc:sldMkLst>
+          <pc:docMk/>
+          <pc:sldMk cId="2871818766" sldId="321"/>
+        </pc:sldMkLst>
+        <pc:spChg chg="mod">
+          <ac:chgData name="Julia Moeller" userId="0bcb1583-c1a4-48b5-87e6-2cc074d2d571" providerId="ADAL" clId="{6EB750B9-5FA5-4ADA-87B7-5DA225928C11}" dt="2023-10-03T17:32:03.121" v="1530" actId="20577"/>
+          <ac:spMkLst>
+            <pc:docMk/>
+            <pc:sldMk cId="2871818766" sldId="321"/>
+            <ac:spMk id="3" creationId="{00000000-0000-0000-0000-000000000000}"/>
+          </ac:spMkLst>
+        </pc:spChg>
+        <pc:picChg chg="mod">
+          <ac:chgData name="Julia Moeller" userId="0bcb1583-c1a4-48b5-87e6-2cc074d2d571" providerId="ADAL" clId="{6EB750B9-5FA5-4ADA-87B7-5DA225928C11}" dt="2023-10-03T17:32:19.854" v="1532" actId="1076"/>
+          <ac:picMkLst>
+            <pc:docMk/>
+            <pc:sldMk cId="2871818766" sldId="321"/>
+            <ac:picMk id="5" creationId="{FA285344-574C-5A09-AAA9-C97FD4D57000}"/>
+          </ac:picMkLst>
+        </pc:picChg>
+      </pc:sldChg>
+      <pc:sldChg chg="modSp mod">
+        <pc:chgData name="Julia Moeller" userId="0bcb1583-c1a4-48b5-87e6-2cc074d2d571" providerId="ADAL" clId="{6EB750B9-5FA5-4ADA-87B7-5DA225928C11}" dt="2023-10-03T17:42:51.260" v="1637" actId="20577"/>
+        <pc:sldMkLst>
+          <pc:docMk/>
+          <pc:sldMk cId="521284543" sldId="322"/>
+        </pc:sldMkLst>
+        <pc:spChg chg="mod">
+          <ac:chgData name="Julia Moeller" userId="0bcb1583-c1a4-48b5-87e6-2cc074d2d571" providerId="ADAL" clId="{6EB750B9-5FA5-4ADA-87B7-5DA225928C11}" dt="2023-10-03T17:42:51.260" v="1637" actId="20577"/>
+          <ac:spMkLst>
+            <pc:docMk/>
+            <pc:sldMk cId="521284543" sldId="322"/>
+            <ac:spMk id="3" creationId="{00000000-0000-0000-0000-000000000000}"/>
+          </ac:spMkLst>
+        </pc:spChg>
+      </pc:sldChg>
+      <pc:sldChg chg="modSp mod">
+        <pc:chgData name="Julia Moeller" userId="0bcb1583-c1a4-48b5-87e6-2cc074d2d571" providerId="ADAL" clId="{6EB750B9-5FA5-4ADA-87B7-5DA225928C11}" dt="2023-10-03T17:43:58.837" v="1657" actId="20577"/>
+        <pc:sldMkLst>
+          <pc:docMk/>
+          <pc:sldMk cId="3104679409" sldId="323"/>
+        </pc:sldMkLst>
+        <pc:spChg chg="mod">
+          <ac:chgData name="Julia Moeller" userId="0bcb1583-c1a4-48b5-87e6-2cc074d2d571" providerId="ADAL" clId="{6EB750B9-5FA5-4ADA-87B7-5DA225928C11}" dt="2023-10-03T17:43:58.837" v="1657" actId="20577"/>
+          <ac:spMkLst>
+            <pc:docMk/>
+            <pc:sldMk cId="3104679409" sldId="323"/>
+            <ac:spMk id="3" creationId="{00000000-0000-0000-0000-000000000000}"/>
+          </ac:spMkLst>
+        </pc:spChg>
+      </pc:sldChg>
+      <pc:sldChg chg="modSp mod">
+        <pc:chgData name="Julia Moeller" userId="0bcb1583-c1a4-48b5-87e6-2cc074d2d571" providerId="ADAL" clId="{6EB750B9-5FA5-4ADA-87B7-5DA225928C11}" dt="2023-10-03T17:53:22.891" v="1751" actId="1076"/>
+        <pc:sldMkLst>
+          <pc:docMk/>
+          <pc:sldMk cId="3140665573" sldId="324"/>
+        </pc:sldMkLst>
+        <pc:spChg chg="mod">
+          <ac:chgData name="Julia Moeller" userId="0bcb1583-c1a4-48b5-87e6-2cc074d2d571" providerId="ADAL" clId="{6EB750B9-5FA5-4ADA-87B7-5DA225928C11}" dt="2023-10-03T17:53:17.908" v="1750" actId="207"/>
+          <ac:spMkLst>
+            <pc:docMk/>
+            <pc:sldMk cId="3140665573" sldId="324"/>
+            <ac:spMk id="3" creationId="{00000000-0000-0000-0000-000000000000}"/>
+          </ac:spMkLst>
+        </pc:spChg>
+        <pc:picChg chg="mod">
+          <ac:chgData name="Julia Moeller" userId="0bcb1583-c1a4-48b5-87e6-2cc074d2d571" providerId="ADAL" clId="{6EB750B9-5FA5-4ADA-87B7-5DA225928C11}" dt="2023-10-03T17:53:22.891" v="1751" actId="1076"/>
+          <ac:picMkLst>
+            <pc:docMk/>
+            <pc:sldMk cId="3140665573" sldId="324"/>
+            <ac:picMk id="4" creationId="{EDE8F78A-7F54-758F-64DC-7A8DC43D5B7D}"/>
+          </ac:picMkLst>
+        </pc:picChg>
+      </pc:sldChg>
+      <pc:sldChg chg="delSp modSp mod">
+        <pc:chgData name="Julia Moeller" userId="0bcb1583-c1a4-48b5-87e6-2cc074d2d571" providerId="ADAL" clId="{6EB750B9-5FA5-4ADA-87B7-5DA225928C11}" dt="2023-10-03T18:03:22.048" v="2267" actId="113"/>
+        <pc:sldMkLst>
+          <pc:docMk/>
+          <pc:sldMk cId="947931953" sldId="325"/>
+        </pc:sldMkLst>
+        <pc:spChg chg="mod">
+          <ac:chgData name="Julia Moeller" userId="0bcb1583-c1a4-48b5-87e6-2cc074d2d571" providerId="ADAL" clId="{6EB750B9-5FA5-4ADA-87B7-5DA225928C11}" dt="2023-10-03T17:54:07.225" v="1752" actId="20577"/>
+          <ac:spMkLst>
+            <pc:docMk/>
+            <pc:sldMk cId="947931953" sldId="325"/>
+            <ac:spMk id="2" creationId="{00000000-0000-0000-0000-000000000000}"/>
+          </ac:spMkLst>
+        </pc:spChg>
+        <pc:spChg chg="mod">
+          <ac:chgData name="Julia Moeller" userId="0bcb1583-c1a4-48b5-87e6-2cc074d2d571" providerId="ADAL" clId="{6EB750B9-5FA5-4ADA-87B7-5DA225928C11}" dt="2023-10-03T18:03:22.048" v="2267" actId="113"/>
+          <ac:spMkLst>
+            <pc:docMk/>
+            <pc:sldMk cId="947931953" sldId="325"/>
+            <ac:spMk id="3" creationId="{00000000-0000-0000-0000-000000000000}"/>
+          </ac:spMkLst>
+        </pc:spChg>
+        <pc:spChg chg="del mod">
+          <ac:chgData name="Julia Moeller" userId="0bcb1583-c1a4-48b5-87e6-2cc074d2d571" providerId="ADAL" clId="{6EB750B9-5FA5-4ADA-87B7-5DA225928C11}" dt="2023-10-03T18:01:43.447" v="2258" actId="478"/>
+          <ac:spMkLst>
+            <pc:docMk/>
+            <pc:sldMk cId="947931953" sldId="325"/>
+            <ac:spMk id="6" creationId="{00000000-0000-0000-0000-000000000000}"/>
+          </ac:spMkLst>
+        </pc:spChg>
+        <pc:picChg chg="mod">
+          <ac:chgData name="Julia Moeller" userId="0bcb1583-c1a4-48b5-87e6-2cc074d2d571" providerId="ADAL" clId="{6EB750B9-5FA5-4ADA-87B7-5DA225928C11}" dt="2023-10-03T18:03:08.115" v="2265" actId="1076"/>
+          <ac:picMkLst>
+            <pc:docMk/>
+            <pc:sldMk cId="947931953" sldId="325"/>
+            <ac:picMk id="4" creationId="{AA1BC790-1CB3-E605-6627-452866C6EEC9}"/>
+          </ac:picMkLst>
+        </pc:picChg>
+      </pc:sldChg>
+      <pc:sldChg chg="modSp mod">
+        <pc:chgData name="Julia Moeller" userId="0bcb1583-c1a4-48b5-87e6-2cc074d2d571" providerId="ADAL" clId="{6EB750B9-5FA5-4ADA-87B7-5DA225928C11}" dt="2023-10-03T18:08:07.906" v="2311" actId="1076"/>
+        <pc:sldMkLst>
+          <pc:docMk/>
+          <pc:sldMk cId="1828715617" sldId="326"/>
+        </pc:sldMkLst>
+        <pc:spChg chg="mod">
+          <ac:chgData name="Julia Moeller" userId="0bcb1583-c1a4-48b5-87e6-2cc074d2d571" providerId="ADAL" clId="{6EB750B9-5FA5-4ADA-87B7-5DA225928C11}" dt="2023-10-03T18:02:53.814" v="2264" actId="20577"/>
+          <ac:spMkLst>
+            <pc:docMk/>
+            <pc:sldMk cId="1828715617" sldId="326"/>
+            <ac:spMk id="2" creationId="{00000000-0000-0000-0000-000000000000}"/>
+          </ac:spMkLst>
+        </pc:spChg>
+        <pc:spChg chg="mod">
+          <ac:chgData name="Julia Moeller" userId="0bcb1583-c1a4-48b5-87e6-2cc074d2d571" providerId="ADAL" clId="{6EB750B9-5FA5-4ADA-87B7-5DA225928C11}" dt="2023-10-03T18:08:04.921" v="2310" actId="27636"/>
+          <ac:spMkLst>
+            <pc:docMk/>
+            <pc:sldMk cId="1828715617" sldId="326"/>
+            <ac:spMk id="3" creationId="{00000000-0000-0000-0000-000000000000}"/>
+          </ac:spMkLst>
+        </pc:spChg>
+        <pc:picChg chg="mod">
+          <ac:chgData name="Julia Moeller" userId="0bcb1583-c1a4-48b5-87e6-2cc074d2d571" providerId="ADAL" clId="{6EB750B9-5FA5-4ADA-87B7-5DA225928C11}" dt="2023-10-03T18:08:07.906" v="2311" actId="1076"/>
+          <ac:picMkLst>
+            <pc:docMk/>
+            <pc:sldMk cId="1828715617" sldId="326"/>
+            <ac:picMk id="4" creationId="{7BFD6A72-041E-91BA-6DF1-DDB67683C3F1}"/>
+          </ac:picMkLst>
+        </pc:picChg>
+      </pc:sldChg>
+      <pc:sldChg chg="delSp modSp mod">
+        <pc:chgData name="Julia Moeller" userId="0bcb1583-c1a4-48b5-87e6-2cc074d2d571" providerId="ADAL" clId="{6EB750B9-5FA5-4ADA-87B7-5DA225928C11}" dt="2023-10-03T18:14:39.565" v="2445" actId="1076"/>
+        <pc:sldMkLst>
+          <pc:docMk/>
+          <pc:sldMk cId="574553165" sldId="327"/>
+        </pc:sldMkLst>
+        <pc:spChg chg="mod">
+          <ac:chgData name="Julia Moeller" userId="0bcb1583-c1a4-48b5-87e6-2cc074d2d571" providerId="ADAL" clId="{6EB750B9-5FA5-4ADA-87B7-5DA225928C11}" dt="2023-10-03T18:14:33.708" v="2444" actId="20577"/>
+          <ac:spMkLst>
+            <pc:docMk/>
+            <pc:sldMk cId="574553165" sldId="327"/>
+            <ac:spMk id="3" creationId="{00000000-0000-0000-0000-000000000000}"/>
+          </ac:spMkLst>
+        </pc:spChg>
+        <pc:spChg chg="del mod">
+          <ac:chgData name="Julia Moeller" userId="0bcb1583-c1a4-48b5-87e6-2cc074d2d571" providerId="ADAL" clId="{6EB750B9-5FA5-4ADA-87B7-5DA225928C11}" dt="2023-10-03T18:12:19.021" v="2405" actId="478"/>
+          <ac:spMkLst>
+            <pc:docMk/>
+            <pc:sldMk cId="574553165" sldId="327"/>
+            <ac:spMk id="6" creationId="{00000000-0000-0000-0000-000000000000}"/>
+          </ac:spMkLst>
+        </pc:spChg>
+        <pc:picChg chg="mod">
+          <ac:chgData name="Julia Moeller" userId="0bcb1583-c1a4-48b5-87e6-2cc074d2d571" providerId="ADAL" clId="{6EB750B9-5FA5-4ADA-87B7-5DA225928C11}" dt="2023-10-03T18:14:39.565" v="2445" actId="1076"/>
+          <ac:picMkLst>
+            <pc:docMk/>
+            <pc:sldMk cId="574553165" sldId="327"/>
+            <ac:picMk id="4" creationId="{3731AFA8-40EC-989E-F469-FA0E871059A2}"/>
+          </ac:picMkLst>
+        </pc:picChg>
+      </pc:sldChg>
+      <pc:sldChg chg="modSp mod">
+        <pc:chgData name="Julia Moeller" userId="0bcb1583-c1a4-48b5-87e6-2cc074d2d571" providerId="ADAL" clId="{6EB750B9-5FA5-4ADA-87B7-5DA225928C11}" dt="2023-10-03T18:13:36.029" v="2417" actId="1076"/>
+        <pc:sldMkLst>
+          <pc:docMk/>
+          <pc:sldMk cId="1422946853" sldId="328"/>
+        </pc:sldMkLst>
+        <pc:spChg chg="mod">
+          <ac:chgData name="Julia Moeller" userId="0bcb1583-c1a4-48b5-87e6-2cc074d2d571" providerId="ADAL" clId="{6EB750B9-5FA5-4ADA-87B7-5DA225928C11}" dt="2023-10-03T18:13:12.470" v="2415" actId="1076"/>
+          <ac:spMkLst>
+            <pc:docMk/>
+            <pc:sldMk cId="1422946853" sldId="328"/>
+            <ac:spMk id="3" creationId="{00000000-0000-0000-0000-000000000000}"/>
+          </ac:spMkLst>
+        </pc:spChg>
+        <pc:picChg chg="mod">
+          <ac:chgData name="Julia Moeller" userId="0bcb1583-c1a4-48b5-87e6-2cc074d2d571" providerId="ADAL" clId="{6EB750B9-5FA5-4ADA-87B7-5DA225928C11}" dt="2023-10-03T18:13:36.029" v="2417" actId="1076"/>
+          <ac:picMkLst>
+            <pc:docMk/>
+            <pc:sldMk cId="1422946853" sldId="328"/>
+            <ac:picMk id="5" creationId="{00000000-0000-0000-0000-000000000000}"/>
+          </ac:picMkLst>
+        </pc:picChg>
+      </pc:sldChg>
+      <pc:sldChg chg="delSp modSp mod">
+        <pc:chgData name="Julia Moeller" userId="0bcb1583-c1a4-48b5-87e6-2cc074d2d571" providerId="ADAL" clId="{6EB750B9-5FA5-4ADA-87B7-5DA225928C11}" dt="2023-10-03T18:17:45.443" v="2472" actId="1076"/>
+        <pc:sldMkLst>
+          <pc:docMk/>
+          <pc:sldMk cId="2149528205" sldId="330"/>
+        </pc:sldMkLst>
+        <pc:spChg chg="mod">
+          <ac:chgData name="Julia Moeller" userId="0bcb1583-c1a4-48b5-87e6-2cc074d2d571" providerId="ADAL" clId="{6EB750B9-5FA5-4ADA-87B7-5DA225928C11}" dt="2023-10-03T18:17:45.443" v="2472" actId="1076"/>
+          <ac:spMkLst>
+            <pc:docMk/>
+            <pc:sldMk cId="2149528205" sldId="330"/>
+            <ac:spMk id="3" creationId="{00000000-0000-0000-0000-000000000000}"/>
+          </ac:spMkLst>
+        </pc:spChg>
+        <pc:spChg chg="del mod">
+          <ac:chgData name="Julia Moeller" userId="0bcb1583-c1a4-48b5-87e6-2cc074d2d571" providerId="ADAL" clId="{6EB750B9-5FA5-4ADA-87B7-5DA225928C11}" dt="2023-10-03T18:16:59.485" v="2467" actId="478"/>
+          <ac:spMkLst>
+            <pc:docMk/>
+            <pc:sldMk cId="2149528205" sldId="330"/>
+            <ac:spMk id="9" creationId="{00000000-0000-0000-0000-000000000000}"/>
+          </ac:spMkLst>
+        </pc:spChg>
+        <pc:picChg chg="mod">
+          <ac:chgData name="Julia Moeller" userId="0bcb1583-c1a4-48b5-87e6-2cc074d2d571" providerId="ADAL" clId="{6EB750B9-5FA5-4ADA-87B7-5DA225928C11}" dt="2023-10-03T18:17:14.540" v="2471" actId="1076"/>
+          <ac:picMkLst>
+            <pc:docMk/>
+            <pc:sldMk cId="2149528205" sldId="330"/>
+            <ac:picMk id="16" creationId="{00000000-0000-0000-0000-000000000000}"/>
+          </ac:picMkLst>
+        </pc:picChg>
+      </pc:sldChg>
+      <pc:sldChg chg="modSp mod">
+        <pc:chgData name="Julia Moeller" userId="0bcb1583-c1a4-48b5-87e6-2cc074d2d571" providerId="ADAL" clId="{6EB750B9-5FA5-4ADA-87B7-5DA225928C11}" dt="2023-10-03T18:20:02.875" v="2475" actId="20577"/>
+        <pc:sldMkLst>
+          <pc:docMk/>
+          <pc:sldMk cId="2921820214" sldId="331"/>
+        </pc:sldMkLst>
+        <pc:spChg chg="mod">
+          <ac:chgData name="Julia Moeller" userId="0bcb1583-c1a4-48b5-87e6-2cc074d2d571" providerId="ADAL" clId="{6EB750B9-5FA5-4ADA-87B7-5DA225928C11}" dt="2023-10-03T18:20:02.875" v="2475" actId="20577"/>
+          <ac:spMkLst>
+            <pc:docMk/>
+            <pc:sldMk cId="2921820214" sldId="331"/>
+            <ac:spMk id="3" creationId="{00000000-0000-0000-0000-000000000000}"/>
+          </ac:spMkLst>
+        </pc:spChg>
+        <pc:spChg chg="mod">
+          <ac:chgData name="Julia Moeller" userId="0bcb1583-c1a4-48b5-87e6-2cc074d2d571" providerId="ADAL" clId="{6EB750B9-5FA5-4ADA-87B7-5DA225928C11}" dt="2023-10-03T18:19:57.957" v="2473" actId="179"/>
+          <ac:spMkLst>
+            <pc:docMk/>
+            <pc:sldMk cId="2921820214" sldId="331"/>
+            <ac:spMk id="7" creationId="{00000000-0000-0000-0000-000000000000}"/>
+          </ac:spMkLst>
+        </pc:spChg>
+      </pc:sldChg>
+      <pc:sldChg chg="modSp mod">
+        <pc:chgData name="Julia Moeller" userId="0bcb1583-c1a4-48b5-87e6-2cc074d2d571" providerId="ADAL" clId="{6EB750B9-5FA5-4ADA-87B7-5DA225928C11}" dt="2023-10-03T18:21:27.847" v="2559" actId="20577"/>
+        <pc:sldMkLst>
+          <pc:docMk/>
+          <pc:sldMk cId="3168300767" sldId="332"/>
+        </pc:sldMkLst>
+        <pc:spChg chg="mod">
+          <ac:chgData name="Julia Moeller" userId="0bcb1583-c1a4-48b5-87e6-2cc074d2d571" providerId="ADAL" clId="{6EB750B9-5FA5-4ADA-87B7-5DA225928C11}" dt="2023-10-03T18:21:27.847" v="2559" actId="20577"/>
+          <ac:spMkLst>
+            <pc:docMk/>
+            <pc:sldMk cId="3168300767" sldId="332"/>
+            <ac:spMk id="3" creationId="{00000000-0000-0000-0000-000000000000}"/>
+          </ac:spMkLst>
+        </pc:spChg>
+      </pc:sldChg>
+      <pc:sldChg chg="modSp mod">
+        <pc:chgData name="Julia Moeller" userId="0bcb1583-c1a4-48b5-87e6-2cc074d2d571" providerId="ADAL" clId="{6EB750B9-5FA5-4ADA-87B7-5DA225928C11}" dt="2023-09-29T10:01:56.797" v="9" actId="2711"/>
+        <pc:sldMkLst>
+          <pc:docMk/>
+          <pc:sldMk cId="4074418204" sldId="334"/>
+        </pc:sldMkLst>
+        <pc:spChg chg="mod">
+          <ac:chgData name="Julia Moeller" userId="0bcb1583-c1a4-48b5-87e6-2cc074d2d571" providerId="ADAL" clId="{6EB750B9-5FA5-4ADA-87B7-5DA225928C11}" dt="2023-09-29T10:01:56.797" v="9" actId="2711"/>
+          <ac:spMkLst>
+            <pc:docMk/>
+            <pc:sldMk cId="4074418204" sldId="334"/>
+            <ac:spMk id="2" creationId="{A148728D-6668-C0AF-194D-F9D4519DD2EB}"/>
+          </ac:spMkLst>
+        </pc:spChg>
+      </pc:sldChg>
+      <pc:sldChg chg="modSp mod">
+        <pc:chgData name="Julia Moeller" userId="0bcb1583-c1a4-48b5-87e6-2cc074d2d571" providerId="ADAL" clId="{6EB750B9-5FA5-4ADA-87B7-5DA225928C11}" dt="2023-09-29T10:10:14.304" v="54" actId="207"/>
+        <pc:sldMkLst>
+          <pc:docMk/>
+          <pc:sldMk cId="2741752296" sldId="335"/>
+        </pc:sldMkLst>
+        <pc:spChg chg="mod">
+          <ac:chgData name="Julia Moeller" userId="0bcb1583-c1a4-48b5-87e6-2cc074d2d571" providerId="ADAL" clId="{6EB750B9-5FA5-4ADA-87B7-5DA225928C11}" dt="2023-09-29T10:10:14.304" v="54" actId="207"/>
+          <ac:spMkLst>
+            <pc:docMk/>
+            <pc:sldMk cId="2741752296" sldId="335"/>
+            <ac:spMk id="4" creationId="{005747D8-8F26-3A6A-E6D5-8B473961887D}"/>
+          </ac:spMkLst>
+        </pc:spChg>
+      </pc:sldChg>
+      <pc:sldChg chg="modSp mod">
+        <pc:chgData name="Julia Moeller" userId="0bcb1583-c1a4-48b5-87e6-2cc074d2d571" providerId="ADAL" clId="{6EB750B9-5FA5-4ADA-87B7-5DA225928C11}" dt="2023-09-29T10:03:29.846" v="16" actId="2711"/>
+        <pc:sldMkLst>
+          <pc:docMk/>
+          <pc:sldMk cId="3037016875" sldId="336"/>
+        </pc:sldMkLst>
+        <pc:spChg chg="mod">
+          <ac:chgData name="Julia Moeller" userId="0bcb1583-c1a4-48b5-87e6-2cc074d2d571" providerId="ADAL" clId="{6EB750B9-5FA5-4ADA-87B7-5DA225928C11}" dt="2023-09-29T10:03:29.846" v="16" actId="2711"/>
+          <ac:spMkLst>
+            <pc:docMk/>
+            <pc:sldMk cId="3037016875" sldId="336"/>
+            <ac:spMk id="2" creationId="{6AFEAF07-EFB2-483B-AAF4-44BEE5618B58}"/>
+          </ac:spMkLst>
+        </pc:spChg>
+      </pc:sldChg>
+    </pc:docChg>
+  </pc:docChgLst>
   <pc:docChgLst>
     <pc:chgData name="Matthew Forbes" userId="S::matthew.forbes2@phs.scot::89e49754-86d5-48d1-b7fe-89645bb93558" providerId="AD" clId="Web-{B03F9010-2D11-4035-949E-268A5236143E}"/>
     <pc:docChg chg="delSld">
@@ -185,1017 +1203,84 @@
     </pc:docChg>
   </pc:docChgLst>
   <pc:docChgLst>
-    <pc:chgData name="Julia Moeller" userId="0bcb1583-c1a4-48b5-87e6-2cc074d2d571" providerId="ADAL" clId="{6EB750B9-5FA5-4ADA-87B7-5DA225928C11}"/>
-    <pc:docChg chg="undo redo custSel modSld">
-      <pc:chgData name="Julia Moeller" userId="0bcb1583-c1a4-48b5-87e6-2cc074d2d571" providerId="ADAL" clId="{6EB750B9-5FA5-4ADA-87B7-5DA225928C11}" dt="2023-10-03T18:21:27.847" v="2559" actId="20577"/>
+    <pc:chgData name="Julia Moeller" userId="S::julia.moeller@phs.scot::0bcb1583-c1a4-48b5-87e6-2cc074d2d571" providerId="AD" clId="Web-{91BD5106-5F1B-4809-BCC1-C2D8A9B542C7}"/>
+    <pc:docChg chg="modSld">
+      <pc:chgData name="Julia Moeller" userId="S::julia.moeller@phs.scot::0bcb1583-c1a4-48b5-87e6-2cc074d2d571" providerId="AD" clId="Web-{91BD5106-5F1B-4809-BCC1-C2D8A9B542C7}" dt="2023-10-10T08:07:26.891" v="14" actId="20577"/>
       <pc:docMkLst>
         <pc:docMk/>
       </pc:docMkLst>
-      <pc:sldChg chg="modSp mod">
-        <pc:chgData name="Julia Moeller" userId="0bcb1583-c1a4-48b5-87e6-2cc074d2d571" providerId="ADAL" clId="{6EB750B9-5FA5-4ADA-87B7-5DA225928C11}" dt="2023-09-29T13:57:45.321" v="175" actId="1076"/>
-        <pc:sldMkLst>
-          <pc:docMk/>
-          <pc:sldMk cId="2421927408" sldId="297"/>
-        </pc:sldMkLst>
-        <pc:spChg chg="mod">
-          <ac:chgData name="Julia Moeller" userId="0bcb1583-c1a4-48b5-87e6-2cc074d2d571" providerId="ADAL" clId="{6EB750B9-5FA5-4ADA-87B7-5DA225928C11}" dt="2023-09-29T13:57:45.321" v="175" actId="1076"/>
-          <ac:spMkLst>
-            <pc:docMk/>
-            <pc:sldMk cId="2421927408" sldId="297"/>
-            <ac:spMk id="3" creationId="{00000000-0000-0000-0000-000000000000}"/>
-          </ac:spMkLst>
-        </pc:spChg>
-      </pc:sldChg>
-      <pc:sldChg chg="modSp mod">
-        <pc:chgData name="Julia Moeller" userId="0bcb1583-c1a4-48b5-87e6-2cc074d2d571" providerId="ADAL" clId="{6EB750B9-5FA5-4ADA-87B7-5DA225928C11}" dt="2023-09-29T10:02:18.184" v="10" actId="1076"/>
-        <pc:sldMkLst>
-          <pc:docMk/>
-          <pc:sldMk cId="2923546702" sldId="298"/>
-        </pc:sldMkLst>
-        <pc:spChg chg="mod">
-          <ac:chgData name="Julia Moeller" userId="0bcb1583-c1a4-48b5-87e6-2cc074d2d571" providerId="ADAL" clId="{6EB750B9-5FA5-4ADA-87B7-5DA225928C11}" dt="2023-09-29T10:00:08.934" v="3" actId="255"/>
-          <ac:spMkLst>
-            <pc:docMk/>
-            <pc:sldMk cId="2923546702" sldId="298"/>
-            <ac:spMk id="3" creationId="{00000000-0000-0000-0000-000000000000}"/>
-          </ac:spMkLst>
-        </pc:spChg>
-        <pc:spChg chg="mod">
-          <ac:chgData name="Julia Moeller" userId="0bcb1583-c1a4-48b5-87e6-2cc074d2d571" providerId="ADAL" clId="{6EB750B9-5FA5-4ADA-87B7-5DA225928C11}" dt="2023-09-29T10:02:18.184" v="10" actId="1076"/>
-          <ac:spMkLst>
-            <pc:docMk/>
-            <pc:sldMk cId="2923546702" sldId="298"/>
-            <ac:spMk id="4" creationId="{00000000-0000-0000-0000-000000000000}"/>
-          </ac:spMkLst>
-        </pc:spChg>
-      </pc:sldChg>
-      <pc:sldChg chg="modSp mod">
-        <pc:chgData name="Julia Moeller" userId="0bcb1583-c1a4-48b5-87e6-2cc074d2d571" providerId="ADAL" clId="{6EB750B9-5FA5-4ADA-87B7-5DA225928C11}" dt="2023-09-29T13:52:47.621" v="167" actId="1076"/>
-        <pc:sldMkLst>
-          <pc:docMk/>
-          <pc:sldMk cId="4176383607" sldId="299"/>
-        </pc:sldMkLst>
-        <pc:spChg chg="mod">
-          <ac:chgData name="Julia Moeller" userId="0bcb1583-c1a4-48b5-87e6-2cc074d2d571" providerId="ADAL" clId="{6EB750B9-5FA5-4ADA-87B7-5DA225928C11}" dt="2023-09-29T10:02:38.900" v="12" actId="255"/>
-          <ac:spMkLst>
-            <pc:docMk/>
-            <pc:sldMk cId="4176383607" sldId="299"/>
-            <ac:spMk id="3" creationId="{00000000-0000-0000-0000-000000000000}"/>
-          </ac:spMkLst>
-        </pc:spChg>
-        <pc:spChg chg="mod">
-          <ac:chgData name="Julia Moeller" userId="0bcb1583-c1a4-48b5-87e6-2cc074d2d571" providerId="ADAL" clId="{6EB750B9-5FA5-4ADA-87B7-5DA225928C11}" dt="2023-09-29T13:52:47.621" v="167" actId="1076"/>
-          <ac:spMkLst>
-            <pc:docMk/>
-            <pc:sldMk cId="4176383607" sldId="299"/>
-            <ac:spMk id="4" creationId="{00000000-0000-0000-0000-000000000000}"/>
-          </ac:spMkLst>
-        </pc:spChg>
-      </pc:sldChg>
-      <pc:sldChg chg="modSp mod">
-        <pc:chgData name="Julia Moeller" userId="0bcb1583-c1a4-48b5-87e6-2cc074d2d571" providerId="ADAL" clId="{6EB750B9-5FA5-4ADA-87B7-5DA225928C11}" dt="2023-10-03T14:09:25.233" v="1088" actId="1076"/>
-        <pc:sldMkLst>
-          <pc:docMk/>
-          <pc:sldMk cId="2046671304" sldId="300"/>
-        </pc:sldMkLst>
-        <pc:spChg chg="mod">
-          <ac:chgData name="Julia Moeller" userId="0bcb1583-c1a4-48b5-87e6-2cc074d2d571" providerId="ADAL" clId="{6EB750B9-5FA5-4ADA-87B7-5DA225928C11}" dt="2023-09-29T13:52:57.198" v="168" actId="1076"/>
-          <ac:spMkLst>
-            <pc:docMk/>
-            <pc:sldMk cId="2046671304" sldId="300"/>
-            <ac:spMk id="2" creationId="{00000000-0000-0000-0000-000000000000}"/>
-          </ac:spMkLst>
-        </pc:spChg>
-        <pc:spChg chg="mod">
-          <ac:chgData name="Julia Moeller" userId="0bcb1583-c1a4-48b5-87e6-2cc074d2d571" providerId="ADAL" clId="{6EB750B9-5FA5-4ADA-87B7-5DA225928C11}" dt="2023-10-03T14:09:17.353" v="1087" actId="1076"/>
-          <ac:spMkLst>
-            <pc:docMk/>
-            <pc:sldMk cId="2046671304" sldId="300"/>
-            <ac:spMk id="7" creationId="{00000000-0000-0000-0000-000000000000}"/>
-          </ac:spMkLst>
-        </pc:spChg>
-        <pc:picChg chg="mod modCrop">
-          <ac:chgData name="Julia Moeller" userId="0bcb1583-c1a4-48b5-87e6-2cc074d2d571" providerId="ADAL" clId="{6EB750B9-5FA5-4ADA-87B7-5DA225928C11}" dt="2023-10-03T14:09:25.233" v="1088" actId="1076"/>
-          <ac:picMkLst>
-            <pc:docMk/>
-            <pc:sldMk cId="2046671304" sldId="300"/>
-            <ac:picMk id="4" creationId="{91A359D6-E124-7DF5-19E6-03FD887398F1}"/>
-          </ac:picMkLst>
-        </pc:picChg>
-      </pc:sldChg>
-      <pc:sldChg chg="modSp mod">
-        <pc:chgData name="Julia Moeller" userId="0bcb1583-c1a4-48b5-87e6-2cc074d2d571" providerId="ADAL" clId="{6EB750B9-5FA5-4ADA-87B7-5DA225928C11}" dt="2023-09-29T14:04:13.794" v="178" actId="1076"/>
-        <pc:sldMkLst>
-          <pc:docMk/>
-          <pc:sldMk cId="2003884309" sldId="301"/>
-        </pc:sldMkLst>
-        <pc:spChg chg="mod">
-          <ac:chgData name="Julia Moeller" userId="0bcb1583-c1a4-48b5-87e6-2cc074d2d571" providerId="ADAL" clId="{6EB750B9-5FA5-4ADA-87B7-5DA225928C11}" dt="2023-09-29T14:04:13.794" v="178" actId="1076"/>
-          <ac:spMkLst>
-            <pc:docMk/>
-            <pc:sldMk cId="2003884309" sldId="301"/>
-            <ac:spMk id="3" creationId="{00000000-0000-0000-0000-000000000000}"/>
-          </ac:spMkLst>
-        </pc:spChg>
-        <pc:picChg chg="mod">
-          <ac:chgData name="Julia Moeller" userId="0bcb1583-c1a4-48b5-87e6-2cc074d2d571" providerId="ADAL" clId="{6EB750B9-5FA5-4ADA-87B7-5DA225928C11}" dt="2023-09-29T14:04:09.410" v="177" actId="1076"/>
-          <ac:picMkLst>
-            <pc:docMk/>
-            <pc:sldMk cId="2003884309" sldId="301"/>
-            <ac:picMk id="4" creationId="{812BF651-CB31-71C4-DD31-F4C67F79214D}"/>
-          </ac:picMkLst>
-        </pc:picChg>
-      </pc:sldChg>
-      <pc:sldChg chg="modSp mod">
-        <pc:chgData name="Julia Moeller" userId="0bcb1583-c1a4-48b5-87e6-2cc074d2d571" providerId="ADAL" clId="{6EB750B9-5FA5-4ADA-87B7-5DA225928C11}" dt="2023-09-29T14:12:52.907" v="187" actId="14100"/>
+      <pc:sldChg chg="modSp">
+        <pc:chgData name="Julia Moeller" userId="S::julia.moeller@phs.scot::0bcb1583-c1a4-48b5-87e6-2cc074d2d571" providerId="AD" clId="Web-{91BD5106-5F1B-4809-BCC1-C2D8A9B542C7}" dt="2023-10-10T08:06:52.593" v="3" actId="20577"/>
         <pc:sldMkLst>
           <pc:docMk/>
           <pc:sldMk cId="712657126" sldId="303"/>
         </pc:sldMkLst>
         <pc:spChg chg="mod">
-          <ac:chgData name="Julia Moeller" userId="0bcb1583-c1a4-48b5-87e6-2cc074d2d571" providerId="ADAL" clId="{6EB750B9-5FA5-4ADA-87B7-5DA225928C11}" dt="2023-09-29T14:05:35.839" v="184" actId="12"/>
+          <ac:chgData name="Julia Moeller" userId="S::julia.moeller@phs.scot::0bcb1583-c1a4-48b5-87e6-2cc074d2d571" providerId="AD" clId="Web-{91BD5106-5F1B-4809-BCC1-C2D8A9B542C7}" dt="2023-10-10T08:06:52.593" v="3" actId="20577"/>
           <ac:spMkLst>
             <pc:docMk/>
             <pc:sldMk cId="712657126" sldId="303"/>
-            <ac:spMk id="3" creationId="{00000000-0000-0000-0000-000000000000}"/>
-          </ac:spMkLst>
-        </pc:spChg>
-        <pc:picChg chg="mod">
-          <ac:chgData name="Julia Moeller" userId="0bcb1583-c1a4-48b5-87e6-2cc074d2d571" providerId="ADAL" clId="{6EB750B9-5FA5-4ADA-87B7-5DA225928C11}" dt="2023-09-29T14:12:52.907" v="187" actId="14100"/>
-          <ac:picMkLst>
-            <pc:docMk/>
-            <pc:sldMk cId="712657126" sldId="303"/>
-            <ac:picMk id="5" creationId="{097A1AE3-F784-7EDB-DD75-CC34D912EC92}"/>
-          </ac:picMkLst>
-        </pc:picChg>
-      </pc:sldChg>
-      <pc:sldChg chg="modSp mod">
-        <pc:chgData name="Julia Moeller" userId="0bcb1583-c1a4-48b5-87e6-2cc074d2d571" providerId="ADAL" clId="{6EB750B9-5FA5-4ADA-87B7-5DA225928C11}" dt="2023-09-29T14:13:26.325" v="196" actId="20577"/>
-        <pc:sldMkLst>
-          <pc:docMk/>
-          <pc:sldMk cId="3537477960" sldId="306"/>
-        </pc:sldMkLst>
-        <pc:spChg chg="mod">
-          <ac:chgData name="Julia Moeller" userId="0bcb1583-c1a4-48b5-87e6-2cc074d2d571" providerId="ADAL" clId="{6EB750B9-5FA5-4ADA-87B7-5DA225928C11}" dt="2023-09-29T11:43:20.157" v="161" actId="20577"/>
-          <ac:spMkLst>
-            <pc:docMk/>
-            <pc:sldMk cId="3537477960" sldId="306"/>
             <ac:spMk id="2" creationId="{00000000-0000-0000-0000-000000000000}"/>
           </ac:spMkLst>
         </pc:spChg>
-        <pc:spChg chg="mod">
-          <ac:chgData name="Julia Moeller" userId="0bcb1583-c1a4-48b5-87e6-2cc074d2d571" providerId="ADAL" clId="{6EB750B9-5FA5-4ADA-87B7-5DA225928C11}" dt="2023-09-29T11:14:44.748" v="82" actId="1076"/>
-          <ac:spMkLst>
-            <pc:docMk/>
-            <pc:sldMk cId="3537477960" sldId="306"/>
-            <ac:spMk id="8" creationId="{00000000-0000-0000-0000-000000000000}"/>
-          </ac:spMkLst>
-        </pc:spChg>
-        <pc:spChg chg="mod">
-          <ac:chgData name="Julia Moeller" userId="0bcb1583-c1a4-48b5-87e6-2cc074d2d571" providerId="ADAL" clId="{6EB750B9-5FA5-4ADA-87B7-5DA225928C11}" dt="2023-09-29T14:13:26.325" v="196" actId="20577"/>
-          <ac:spMkLst>
-            <pc:docMk/>
-            <pc:sldMk cId="3537477960" sldId="306"/>
-            <ac:spMk id="9" creationId="{00000000-0000-0000-0000-000000000000}"/>
-          </ac:spMkLst>
-        </pc:spChg>
-        <pc:picChg chg="mod">
-          <ac:chgData name="Julia Moeller" userId="0bcb1583-c1a4-48b5-87e6-2cc074d2d571" providerId="ADAL" clId="{6EB750B9-5FA5-4ADA-87B7-5DA225928C11}" dt="2023-09-29T10:11:12.878" v="56" actId="1076"/>
-          <ac:picMkLst>
-            <pc:docMk/>
-            <pc:sldMk cId="3537477960" sldId="306"/>
-            <ac:picMk id="4" creationId="{9ABAD22A-C59B-7A80-1FDB-F161E5AF2631}"/>
-          </ac:picMkLst>
-        </pc:picChg>
       </pc:sldChg>
-      <pc:sldChg chg="modSp mod">
-        <pc:chgData name="Julia Moeller" userId="0bcb1583-c1a4-48b5-87e6-2cc074d2d571" providerId="ADAL" clId="{6EB750B9-5FA5-4ADA-87B7-5DA225928C11}" dt="2023-09-29T14:38:11.839" v="360" actId="20577"/>
+      <pc:sldChg chg="modSp">
+        <pc:chgData name="Julia Moeller" userId="S::julia.moeller@phs.scot::0bcb1583-c1a4-48b5-87e6-2cc074d2d571" providerId="AD" clId="Web-{91BD5106-5F1B-4809-BCC1-C2D8A9B542C7}" dt="2023-10-10T08:06:58.281" v="6" actId="20577"/>
         <pc:sldMkLst>
           <pc:docMk/>
-          <pc:sldMk cId="3320271262" sldId="307"/>
+          <pc:sldMk cId="4201418052" sldId="304"/>
         </pc:sldMkLst>
         <pc:spChg chg="mod">
-          <ac:chgData name="Julia Moeller" userId="0bcb1583-c1a4-48b5-87e6-2cc074d2d571" providerId="ADAL" clId="{6EB750B9-5FA5-4ADA-87B7-5DA225928C11}" dt="2023-09-29T11:43:23.052" v="164" actId="20577"/>
+          <ac:chgData name="Julia Moeller" userId="S::julia.moeller@phs.scot::0bcb1583-c1a4-48b5-87e6-2cc074d2d571" providerId="AD" clId="Web-{91BD5106-5F1B-4809-BCC1-C2D8A9B542C7}" dt="2023-10-10T08:06:58.281" v="6" actId="20577"/>
           <ac:spMkLst>
             <pc:docMk/>
-            <pc:sldMk cId="3320271262" sldId="307"/>
+            <pc:sldMk cId="4201418052" sldId="304"/>
             <ac:spMk id="2" creationId="{00000000-0000-0000-0000-000000000000}"/>
           </ac:spMkLst>
         </pc:spChg>
-        <pc:spChg chg="mod">
-          <ac:chgData name="Julia Moeller" userId="0bcb1583-c1a4-48b5-87e6-2cc074d2d571" providerId="ADAL" clId="{6EB750B9-5FA5-4ADA-87B7-5DA225928C11}" dt="2023-09-29T14:38:11.839" v="360" actId="20577"/>
-          <ac:spMkLst>
-            <pc:docMk/>
-            <pc:sldMk cId="3320271262" sldId="307"/>
-            <ac:spMk id="6" creationId="{00000000-0000-0000-0000-000000000000}"/>
-          </ac:spMkLst>
-        </pc:spChg>
-        <pc:spChg chg="mod">
-          <ac:chgData name="Julia Moeller" userId="0bcb1583-c1a4-48b5-87e6-2cc074d2d571" providerId="ADAL" clId="{6EB750B9-5FA5-4ADA-87B7-5DA225928C11}" dt="2023-09-29T11:19:16.002" v="122" actId="12"/>
-          <ac:spMkLst>
-            <pc:docMk/>
-            <pc:sldMk cId="3320271262" sldId="307"/>
-            <ac:spMk id="8" creationId="{00000000-0000-0000-0000-000000000000}"/>
-          </ac:spMkLst>
-        </pc:spChg>
-        <pc:picChg chg="mod">
-          <ac:chgData name="Julia Moeller" userId="0bcb1583-c1a4-48b5-87e6-2cc074d2d571" providerId="ADAL" clId="{6EB750B9-5FA5-4ADA-87B7-5DA225928C11}" dt="2023-09-29T11:15:26.963" v="89" actId="1076"/>
-          <ac:picMkLst>
-            <pc:docMk/>
-            <pc:sldMk cId="3320271262" sldId="307"/>
-            <ac:picMk id="11" creationId="{B8F3A698-589B-A88D-A360-5E5A1359344B}"/>
-          </ac:picMkLst>
-        </pc:picChg>
       </pc:sldChg>
-      <pc:sldChg chg="delSp modSp mod">
-        <pc:chgData name="Julia Moeller" userId="0bcb1583-c1a4-48b5-87e6-2cc074d2d571" providerId="ADAL" clId="{6EB750B9-5FA5-4ADA-87B7-5DA225928C11}" dt="2023-09-29T14:43:51.284" v="362" actId="20577"/>
+      <pc:sldChg chg="modSp">
+        <pc:chgData name="Julia Moeller" userId="S::julia.moeller@phs.scot::0bcb1583-c1a4-48b5-87e6-2cc074d2d571" providerId="AD" clId="Web-{91BD5106-5F1B-4809-BCC1-C2D8A9B542C7}" dt="2023-10-10T08:07:00.562" v="8" actId="20577"/>
         <pc:sldMkLst>
           <pc:docMk/>
-          <pc:sldMk cId="4246129325" sldId="309"/>
+          <pc:sldMk cId="3201453478" sldId="305"/>
         </pc:sldMkLst>
         <pc:spChg chg="mod">
-          <ac:chgData name="Julia Moeller" userId="0bcb1583-c1a4-48b5-87e6-2cc074d2d571" providerId="ADAL" clId="{6EB750B9-5FA5-4ADA-87B7-5DA225928C11}" dt="2023-09-29T14:43:51.284" v="362" actId="20577"/>
+          <ac:chgData name="Julia Moeller" userId="S::julia.moeller@phs.scot::0bcb1583-c1a4-48b5-87e6-2cc074d2d571" providerId="AD" clId="Web-{91BD5106-5F1B-4809-BCC1-C2D8A9B542C7}" dt="2023-10-10T08:07:00.562" v="8" actId="20577"/>
           <ac:spMkLst>
             <pc:docMk/>
-            <pc:sldMk cId="4246129325" sldId="309"/>
+            <pc:sldMk cId="3201453478" sldId="305"/>
             <ac:spMk id="2" creationId="{00000000-0000-0000-0000-000000000000}"/>
           </ac:spMkLst>
         </pc:spChg>
-        <pc:spChg chg="mod">
-          <ac:chgData name="Julia Moeller" userId="0bcb1583-c1a4-48b5-87e6-2cc074d2d571" providerId="ADAL" clId="{6EB750B9-5FA5-4ADA-87B7-5DA225928C11}" dt="2023-09-29T14:21:37.234" v="247" actId="1076"/>
-          <ac:spMkLst>
-            <pc:docMk/>
-            <pc:sldMk cId="4246129325" sldId="309"/>
-            <ac:spMk id="3" creationId="{00000000-0000-0000-0000-000000000000}"/>
-          </ac:spMkLst>
-        </pc:spChg>
-        <pc:spChg chg="del mod">
-          <ac:chgData name="Julia Moeller" userId="0bcb1583-c1a4-48b5-87e6-2cc074d2d571" providerId="ADAL" clId="{6EB750B9-5FA5-4ADA-87B7-5DA225928C11}" dt="2023-09-29T11:27:50.968" v="148" actId="478"/>
-          <ac:spMkLst>
-            <pc:docMk/>
-            <pc:sldMk cId="4246129325" sldId="309"/>
-            <ac:spMk id="5" creationId="{00000000-0000-0000-0000-000000000000}"/>
-          </ac:spMkLst>
-        </pc:spChg>
       </pc:sldChg>
-      <pc:sldChg chg="modSp mod">
-        <pc:chgData name="Julia Moeller" userId="0bcb1583-c1a4-48b5-87e6-2cc074d2d571" providerId="ADAL" clId="{6EB750B9-5FA5-4ADA-87B7-5DA225928C11}" dt="2023-09-29T14:43:55.555" v="365" actId="20577"/>
-        <pc:sldMkLst>
-          <pc:docMk/>
-          <pc:sldMk cId="1363176458" sldId="310"/>
-        </pc:sldMkLst>
-        <pc:spChg chg="mod">
-          <ac:chgData name="Julia Moeller" userId="0bcb1583-c1a4-48b5-87e6-2cc074d2d571" providerId="ADAL" clId="{6EB750B9-5FA5-4ADA-87B7-5DA225928C11}" dt="2023-09-29T14:43:55.555" v="365" actId="20577"/>
-          <ac:spMkLst>
-            <pc:docMk/>
-            <pc:sldMk cId="1363176458" sldId="310"/>
-            <ac:spMk id="2" creationId="{00000000-0000-0000-0000-000000000000}"/>
-          </ac:spMkLst>
-        </pc:spChg>
-        <pc:spChg chg="mod">
-          <ac:chgData name="Julia Moeller" userId="0bcb1583-c1a4-48b5-87e6-2cc074d2d571" providerId="ADAL" clId="{6EB750B9-5FA5-4ADA-87B7-5DA225928C11}" dt="2023-09-29T14:21:27.860" v="246" actId="1076"/>
-          <ac:spMkLst>
-            <pc:docMk/>
-            <pc:sldMk cId="1363176458" sldId="310"/>
-            <ac:spMk id="3" creationId="{00000000-0000-0000-0000-000000000000}"/>
-          </ac:spMkLst>
-        </pc:spChg>
-        <pc:picChg chg="mod">
-          <ac:chgData name="Julia Moeller" userId="0bcb1583-c1a4-48b5-87e6-2cc074d2d571" providerId="ADAL" clId="{6EB750B9-5FA5-4ADA-87B7-5DA225928C11}" dt="2023-09-29T14:21:19.341" v="243" actId="1076"/>
-          <ac:picMkLst>
-            <pc:docMk/>
-            <pc:sldMk cId="1363176458" sldId="310"/>
-            <ac:picMk id="4" creationId="{ED91E5D2-B13E-55D3-F90A-5BA2AE8FD10D}"/>
-          </ac:picMkLst>
-        </pc:picChg>
-      </pc:sldChg>
-      <pc:sldChg chg="addSp delSp modSp mod">
-        <pc:chgData name="Julia Moeller" userId="0bcb1583-c1a4-48b5-87e6-2cc074d2d571" providerId="ADAL" clId="{6EB750B9-5FA5-4ADA-87B7-5DA225928C11}" dt="2023-09-29T14:43:59.066" v="366" actId="20577"/>
-        <pc:sldMkLst>
-          <pc:docMk/>
-          <pc:sldMk cId="2842929610" sldId="311"/>
-        </pc:sldMkLst>
-        <pc:spChg chg="mod">
-          <ac:chgData name="Julia Moeller" userId="0bcb1583-c1a4-48b5-87e6-2cc074d2d571" providerId="ADAL" clId="{6EB750B9-5FA5-4ADA-87B7-5DA225928C11}" dt="2023-09-29T14:43:59.066" v="366" actId="20577"/>
-          <ac:spMkLst>
-            <pc:docMk/>
-            <pc:sldMk cId="2842929610" sldId="311"/>
-            <ac:spMk id="2" creationId="{00000000-0000-0000-0000-000000000000}"/>
-          </ac:spMkLst>
-        </pc:spChg>
-        <pc:spChg chg="del">
-          <ac:chgData name="Julia Moeller" userId="0bcb1583-c1a4-48b5-87e6-2cc074d2d571" providerId="ADAL" clId="{6EB750B9-5FA5-4ADA-87B7-5DA225928C11}" dt="2023-09-29T14:15:30.264" v="233" actId="478"/>
-          <ac:spMkLst>
-            <pc:docMk/>
-            <pc:sldMk cId="2842929610" sldId="311"/>
-            <ac:spMk id="3" creationId="{00000000-0000-0000-0000-000000000000}"/>
-          </ac:spMkLst>
-        </pc:spChg>
-        <pc:spChg chg="mod">
-          <ac:chgData name="Julia Moeller" userId="0bcb1583-c1a4-48b5-87e6-2cc074d2d571" providerId="ADAL" clId="{6EB750B9-5FA5-4ADA-87B7-5DA225928C11}" dt="2023-09-29T14:35:12.334" v="314" actId="12"/>
-          <ac:spMkLst>
-            <pc:docMk/>
-            <pc:sldMk cId="2842929610" sldId="311"/>
-            <ac:spMk id="6" creationId="{00000000-0000-0000-0000-000000000000}"/>
-          </ac:spMkLst>
-        </pc:spChg>
-        <pc:spChg chg="mod">
-          <ac:chgData name="Julia Moeller" userId="0bcb1583-c1a4-48b5-87e6-2cc074d2d571" providerId="ADAL" clId="{6EB750B9-5FA5-4ADA-87B7-5DA225928C11}" dt="2023-09-29T14:35:27.180" v="315" actId="1076"/>
-          <ac:spMkLst>
-            <pc:docMk/>
-            <pc:sldMk cId="2842929610" sldId="311"/>
-            <ac:spMk id="7" creationId="{00000000-0000-0000-0000-000000000000}"/>
-          </ac:spMkLst>
-        </pc:spChg>
-        <pc:spChg chg="add del mod">
-          <ac:chgData name="Julia Moeller" userId="0bcb1583-c1a4-48b5-87e6-2cc074d2d571" providerId="ADAL" clId="{6EB750B9-5FA5-4ADA-87B7-5DA225928C11}" dt="2023-09-29T14:15:35.823" v="234" actId="478"/>
-          <ac:spMkLst>
-            <pc:docMk/>
-            <pc:sldMk cId="2842929610" sldId="311"/>
-            <ac:spMk id="8" creationId="{370685E3-3FE3-41FE-86EE-77A0994809A9}"/>
-          </ac:spMkLst>
-        </pc:spChg>
-        <pc:picChg chg="mod">
-          <ac:chgData name="Julia Moeller" userId="0bcb1583-c1a4-48b5-87e6-2cc074d2d571" providerId="ADAL" clId="{6EB750B9-5FA5-4ADA-87B7-5DA225928C11}" dt="2023-09-29T14:34:24.075" v="297" actId="1076"/>
-          <ac:picMkLst>
-            <pc:docMk/>
-            <pc:sldMk cId="2842929610" sldId="311"/>
-            <ac:picMk id="4" creationId="{D686DC9A-1B32-EF1D-95FF-550D636F4191}"/>
-          </ac:picMkLst>
-        </pc:picChg>
-      </pc:sldChg>
-      <pc:sldChg chg="delSp modSp mod">
-        <pc:chgData name="Julia Moeller" userId="0bcb1583-c1a4-48b5-87e6-2cc074d2d571" providerId="ADAL" clId="{6EB750B9-5FA5-4ADA-87B7-5DA225928C11}" dt="2023-10-03T14:09:42.820" v="1089" actId="1076"/>
-        <pc:sldMkLst>
-          <pc:docMk/>
-          <pc:sldMk cId="2913547689" sldId="313"/>
-        </pc:sldMkLst>
-        <pc:spChg chg="mod">
-          <ac:chgData name="Julia Moeller" userId="0bcb1583-c1a4-48b5-87e6-2cc074d2d571" providerId="ADAL" clId="{6EB750B9-5FA5-4ADA-87B7-5DA225928C11}" dt="2023-09-29T14:44:02.785" v="367" actId="20577"/>
-          <ac:spMkLst>
-            <pc:docMk/>
-            <pc:sldMk cId="2913547689" sldId="313"/>
-            <ac:spMk id="2" creationId="{00000000-0000-0000-0000-000000000000}"/>
-          </ac:spMkLst>
-        </pc:spChg>
-        <pc:spChg chg="mod">
-          <ac:chgData name="Julia Moeller" userId="0bcb1583-c1a4-48b5-87e6-2cc074d2d571" providerId="ADAL" clId="{6EB750B9-5FA5-4ADA-87B7-5DA225928C11}" dt="2023-09-29T14:49:10.101" v="473" actId="207"/>
-          <ac:spMkLst>
-            <pc:docMk/>
-            <pc:sldMk cId="2913547689" sldId="313"/>
-            <ac:spMk id="7" creationId="{00000000-0000-0000-0000-000000000000}"/>
-          </ac:spMkLst>
-        </pc:spChg>
-        <pc:spChg chg="del mod">
-          <ac:chgData name="Julia Moeller" userId="0bcb1583-c1a4-48b5-87e6-2cc074d2d571" providerId="ADAL" clId="{6EB750B9-5FA5-4ADA-87B7-5DA225928C11}" dt="2023-09-29T14:36:55.383" v="341"/>
-          <ac:spMkLst>
-            <pc:docMk/>
-            <pc:sldMk cId="2913547689" sldId="313"/>
-            <ac:spMk id="8" creationId="{00000000-0000-0000-0000-000000000000}"/>
-          </ac:spMkLst>
-        </pc:spChg>
-        <pc:spChg chg="del">
-          <ac:chgData name="Julia Moeller" userId="0bcb1583-c1a4-48b5-87e6-2cc074d2d571" providerId="ADAL" clId="{6EB750B9-5FA5-4ADA-87B7-5DA225928C11}" dt="2023-09-29T14:36:55.383" v="339" actId="478"/>
-          <ac:spMkLst>
-            <pc:docMk/>
-            <pc:sldMk cId="2913547689" sldId="313"/>
-            <ac:spMk id="9" creationId="{00000000-0000-0000-0000-000000000000}"/>
-          </ac:spMkLst>
-        </pc:spChg>
-        <pc:picChg chg="mod">
-          <ac:chgData name="Julia Moeller" userId="0bcb1583-c1a4-48b5-87e6-2cc074d2d571" providerId="ADAL" clId="{6EB750B9-5FA5-4ADA-87B7-5DA225928C11}" dt="2023-10-03T14:09:42.820" v="1089" actId="1076"/>
-          <ac:picMkLst>
-            <pc:docMk/>
-            <pc:sldMk cId="2913547689" sldId="313"/>
-            <ac:picMk id="3" creationId="{782C13E4-9E0C-78A7-9E4B-0A4A4F9B1ECE}"/>
-          </ac:picMkLst>
-        </pc:picChg>
-      </pc:sldChg>
-      <pc:sldChg chg="modSp mod">
-        <pc:chgData name="Julia Moeller" userId="0bcb1583-c1a4-48b5-87e6-2cc074d2d571" providerId="ADAL" clId="{6EB750B9-5FA5-4ADA-87B7-5DA225928C11}" dt="2023-09-29T14:53:05.584" v="514" actId="1076"/>
-        <pc:sldMkLst>
-          <pc:docMk/>
-          <pc:sldMk cId="4121411077" sldId="315"/>
-        </pc:sldMkLst>
-        <pc:spChg chg="mod">
-          <ac:chgData name="Julia Moeller" userId="0bcb1583-c1a4-48b5-87e6-2cc074d2d571" providerId="ADAL" clId="{6EB750B9-5FA5-4ADA-87B7-5DA225928C11}" dt="2023-09-29T14:53:05.584" v="514" actId="1076"/>
-          <ac:spMkLst>
-            <pc:docMk/>
-            <pc:sldMk cId="4121411077" sldId="315"/>
-            <ac:spMk id="3" creationId="{00000000-0000-0000-0000-000000000000}"/>
-          </ac:spMkLst>
-        </pc:spChg>
-        <pc:spChg chg="mod">
-          <ac:chgData name="Julia Moeller" userId="0bcb1583-c1a4-48b5-87e6-2cc074d2d571" providerId="ADAL" clId="{6EB750B9-5FA5-4ADA-87B7-5DA225928C11}" dt="2023-09-29T14:50:01.837" v="477" actId="21"/>
-          <ac:spMkLst>
-            <pc:docMk/>
-            <pc:sldMk cId="4121411077" sldId="315"/>
-            <ac:spMk id="5" creationId="{00000000-0000-0000-0000-000000000000}"/>
-          </ac:spMkLst>
-        </pc:spChg>
-      </pc:sldChg>
-      <pc:sldChg chg="modSp mod">
-        <pc:chgData name="Julia Moeller" userId="0bcb1583-c1a4-48b5-87e6-2cc074d2d571" providerId="ADAL" clId="{6EB750B9-5FA5-4ADA-87B7-5DA225928C11}" dt="2023-09-29T14:53:48.396" v="522" actId="1076"/>
-        <pc:sldMkLst>
-          <pc:docMk/>
-          <pc:sldMk cId="2920371790" sldId="316"/>
-        </pc:sldMkLst>
-        <pc:spChg chg="mod">
-          <ac:chgData name="Julia Moeller" userId="0bcb1583-c1a4-48b5-87e6-2cc074d2d571" providerId="ADAL" clId="{6EB750B9-5FA5-4ADA-87B7-5DA225928C11}" dt="2023-09-29T14:50:48.865" v="490" actId="20577"/>
-          <ac:spMkLst>
-            <pc:docMk/>
-            <pc:sldMk cId="2920371790" sldId="316"/>
-            <ac:spMk id="2" creationId="{00000000-0000-0000-0000-000000000000}"/>
-          </ac:spMkLst>
-        </pc:spChg>
-        <pc:spChg chg="mod">
-          <ac:chgData name="Julia Moeller" userId="0bcb1583-c1a4-48b5-87e6-2cc074d2d571" providerId="ADAL" clId="{6EB750B9-5FA5-4ADA-87B7-5DA225928C11}" dt="2023-09-29T14:53:17.498" v="515" actId="1076"/>
-          <ac:spMkLst>
-            <pc:docMk/>
-            <pc:sldMk cId="2920371790" sldId="316"/>
-            <ac:spMk id="3" creationId="{00000000-0000-0000-0000-000000000000}"/>
-          </ac:spMkLst>
-        </pc:spChg>
-        <pc:spChg chg="mod">
-          <ac:chgData name="Julia Moeller" userId="0bcb1583-c1a4-48b5-87e6-2cc074d2d571" providerId="ADAL" clId="{6EB750B9-5FA5-4ADA-87B7-5DA225928C11}" dt="2023-09-29T14:53:42.749" v="520" actId="1076"/>
-          <ac:spMkLst>
-            <pc:docMk/>
-            <pc:sldMk cId="2920371790" sldId="316"/>
-            <ac:spMk id="5" creationId="{00000000-0000-0000-0000-000000000000}"/>
-          </ac:spMkLst>
-        </pc:spChg>
-        <pc:spChg chg="mod">
-          <ac:chgData name="Julia Moeller" userId="0bcb1583-c1a4-48b5-87e6-2cc074d2d571" providerId="ADAL" clId="{6EB750B9-5FA5-4ADA-87B7-5DA225928C11}" dt="2023-09-29T14:53:48.396" v="522" actId="1076"/>
-          <ac:spMkLst>
-            <pc:docMk/>
-            <pc:sldMk cId="2920371790" sldId="316"/>
-            <ac:spMk id="6" creationId="{00000000-0000-0000-0000-000000000000}"/>
-          </ac:spMkLst>
-        </pc:spChg>
-      </pc:sldChg>
-      <pc:sldChg chg="addSp delSp modSp mod">
-        <pc:chgData name="Julia Moeller" userId="0bcb1583-c1a4-48b5-87e6-2cc074d2d571" providerId="ADAL" clId="{6EB750B9-5FA5-4ADA-87B7-5DA225928C11}" dt="2023-10-03T14:10:23.777" v="1098" actId="1076"/>
-        <pc:sldMkLst>
-          <pc:docMk/>
-          <pc:sldMk cId="2942730538" sldId="317"/>
-        </pc:sldMkLst>
-        <pc:spChg chg="mod">
-          <ac:chgData name="Julia Moeller" userId="0bcb1583-c1a4-48b5-87e6-2cc074d2d571" providerId="ADAL" clId="{6EB750B9-5FA5-4ADA-87B7-5DA225928C11}" dt="2023-09-29T15:05:44.948" v="559" actId="20577"/>
-          <ac:spMkLst>
-            <pc:docMk/>
-            <pc:sldMk cId="2942730538" sldId="317"/>
-            <ac:spMk id="2" creationId="{00000000-0000-0000-0000-000000000000}"/>
-          </ac:spMkLst>
-        </pc:spChg>
-        <pc:spChg chg="add mod ord">
-          <ac:chgData name="Julia Moeller" userId="0bcb1583-c1a4-48b5-87e6-2cc074d2d571" providerId="ADAL" clId="{6EB750B9-5FA5-4ADA-87B7-5DA225928C11}" dt="2023-10-03T14:10:03.670" v="1093" actId="164"/>
-          <ac:spMkLst>
-            <pc:docMk/>
-            <pc:sldMk cId="2942730538" sldId="317"/>
-            <ac:spMk id="4" creationId="{C643A2A2-CE89-75AE-B7F2-E74FA653BA45}"/>
-          </ac:spMkLst>
-        </pc:spChg>
-        <pc:spChg chg="add mod ord">
-          <ac:chgData name="Julia Moeller" userId="0bcb1583-c1a4-48b5-87e6-2cc074d2d571" providerId="ADAL" clId="{6EB750B9-5FA5-4ADA-87B7-5DA225928C11}" dt="2023-10-03T14:10:03.670" v="1093" actId="164"/>
-          <ac:spMkLst>
-            <pc:docMk/>
-            <pc:sldMk cId="2942730538" sldId="317"/>
-            <ac:spMk id="5" creationId="{ED759791-3CA4-7609-2020-1AE5C8265B36}"/>
-          </ac:spMkLst>
-        </pc:spChg>
-        <pc:spChg chg="mod">
-          <ac:chgData name="Julia Moeller" userId="0bcb1583-c1a4-48b5-87e6-2cc074d2d571" providerId="ADAL" clId="{6EB750B9-5FA5-4ADA-87B7-5DA225928C11}" dt="2023-10-03T14:10:23.777" v="1098" actId="1076"/>
-          <ac:spMkLst>
-            <pc:docMk/>
-            <pc:sldMk cId="2942730538" sldId="317"/>
-            <ac:spMk id="6" creationId="{00000000-0000-0000-0000-000000000000}"/>
-          </ac:spMkLst>
-        </pc:spChg>
-        <pc:spChg chg="mod ord">
-          <ac:chgData name="Julia Moeller" userId="0bcb1583-c1a4-48b5-87e6-2cc074d2d571" providerId="ADAL" clId="{6EB750B9-5FA5-4ADA-87B7-5DA225928C11}" dt="2023-10-03T14:10:03.670" v="1093" actId="164"/>
-          <ac:spMkLst>
-            <pc:docMk/>
-            <pc:sldMk cId="2942730538" sldId="317"/>
-            <ac:spMk id="12" creationId="{00000000-0000-0000-0000-000000000000}"/>
-          </ac:spMkLst>
-        </pc:spChg>
-        <pc:grpChg chg="add mod">
-          <ac:chgData name="Julia Moeller" userId="0bcb1583-c1a4-48b5-87e6-2cc074d2d571" providerId="ADAL" clId="{6EB750B9-5FA5-4ADA-87B7-5DA225928C11}" dt="2023-10-03T14:10:14.912" v="1097" actId="1076"/>
-          <ac:grpSpMkLst>
-            <pc:docMk/>
-            <pc:sldMk cId="2942730538" sldId="317"/>
-            <ac:grpSpMk id="7" creationId="{18C20164-7518-D100-68C5-A2800B1F09DD}"/>
-          </ac:grpSpMkLst>
-        </pc:grpChg>
-        <pc:picChg chg="mod ord">
-          <ac:chgData name="Julia Moeller" userId="0bcb1583-c1a4-48b5-87e6-2cc074d2d571" providerId="ADAL" clId="{6EB750B9-5FA5-4ADA-87B7-5DA225928C11}" dt="2023-10-03T14:10:03.670" v="1093" actId="164"/>
-          <ac:picMkLst>
-            <pc:docMk/>
-            <pc:sldMk cId="2942730538" sldId="317"/>
-            <ac:picMk id="3" creationId="{82C16A65-884D-0B70-29D7-2117FC4F72FD}"/>
-          </ac:picMkLst>
-        </pc:picChg>
-        <pc:cxnChg chg="del mod">
-          <ac:chgData name="Julia Moeller" userId="0bcb1583-c1a4-48b5-87e6-2cc074d2d571" providerId="ADAL" clId="{6EB750B9-5FA5-4ADA-87B7-5DA225928C11}" dt="2023-09-29T14:59:50.801" v="536" actId="478"/>
-          <ac:cxnSpMkLst>
-            <pc:docMk/>
-            <pc:sldMk cId="2942730538" sldId="317"/>
-            <ac:cxnSpMk id="7" creationId="{00000000-0000-0000-0000-000000000000}"/>
-          </ac:cxnSpMkLst>
-        </pc:cxnChg>
-        <pc:cxnChg chg="del">
-          <ac:chgData name="Julia Moeller" userId="0bcb1583-c1a4-48b5-87e6-2cc074d2d571" providerId="ADAL" clId="{6EB750B9-5FA5-4ADA-87B7-5DA225928C11}" dt="2023-09-29T14:59:52.989" v="537" actId="478"/>
-          <ac:cxnSpMkLst>
-            <pc:docMk/>
-            <pc:sldMk cId="2942730538" sldId="317"/>
-            <ac:cxnSpMk id="10" creationId="{00000000-0000-0000-0000-000000000000}"/>
-          </ac:cxnSpMkLst>
-        </pc:cxnChg>
-      </pc:sldChg>
-      <pc:sldChg chg="modSp mod">
-        <pc:chgData name="Julia Moeller" userId="0bcb1583-c1a4-48b5-87e6-2cc074d2d571" providerId="ADAL" clId="{6EB750B9-5FA5-4ADA-87B7-5DA225928C11}" dt="2023-09-29T15:08:23.806" v="685" actId="20577"/>
-        <pc:sldMkLst>
-          <pc:docMk/>
-          <pc:sldMk cId="388144940" sldId="318"/>
-        </pc:sldMkLst>
-        <pc:spChg chg="mod">
-          <ac:chgData name="Julia Moeller" userId="0bcb1583-c1a4-48b5-87e6-2cc074d2d571" providerId="ADAL" clId="{6EB750B9-5FA5-4ADA-87B7-5DA225928C11}" dt="2023-09-29T15:05:41.724" v="558" actId="20577"/>
-          <ac:spMkLst>
-            <pc:docMk/>
-            <pc:sldMk cId="388144940" sldId="318"/>
-            <ac:spMk id="2" creationId="{00000000-0000-0000-0000-000000000000}"/>
-          </ac:spMkLst>
-        </pc:spChg>
-        <pc:spChg chg="mod">
-          <ac:chgData name="Julia Moeller" userId="0bcb1583-c1a4-48b5-87e6-2cc074d2d571" providerId="ADAL" clId="{6EB750B9-5FA5-4ADA-87B7-5DA225928C11}" dt="2023-09-29T15:08:23.806" v="685" actId="20577"/>
-          <ac:spMkLst>
-            <pc:docMk/>
-            <pc:sldMk cId="388144940" sldId="318"/>
-            <ac:spMk id="3" creationId="{00000000-0000-0000-0000-000000000000}"/>
-          </ac:spMkLst>
-        </pc:spChg>
-      </pc:sldChg>
-      <pc:sldChg chg="addSp delSp modSp mod">
-        <pc:chgData name="Julia Moeller" userId="0bcb1583-c1a4-48b5-87e6-2cc074d2d571" providerId="ADAL" clId="{6EB750B9-5FA5-4ADA-87B7-5DA225928C11}" dt="2023-10-03T17:45:23.917" v="1669" actId="1076"/>
-        <pc:sldMkLst>
-          <pc:docMk/>
-          <pc:sldMk cId="1899650122" sldId="319"/>
-        </pc:sldMkLst>
-        <pc:spChg chg="mod">
-          <ac:chgData name="Julia Moeller" userId="0bcb1583-c1a4-48b5-87e6-2cc074d2d571" providerId="ADAL" clId="{6EB750B9-5FA5-4ADA-87B7-5DA225928C11}" dt="2023-10-03T16:55:22.621" v="1134" actId="20577"/>
-          <ac:spMkLst>
-            <pc:docMk/>
-            <pc:sldMk cId="1899650122" sldId="319"/>
-            <ac:spMk id="2" creationId="{00000000-0000-0000-0000-000000000000}"/>
-          </ac:spMkLst>
-        </pc:spChg>
-        <pc:spChg chg="add mod">
-          <ac:chgData name="Julia Moeller" userId="0bcb1583-c1a4-48b5-87e6-2cc074d2d571" providerId="ADAL" clId="{6EB750B9-5FA5-4ADA-87B7-5DA225928C11}" dt="2023-10-03T14:04:35.749" v="1052" actId="164"/>
-          <ac:spMkLst>
-            <pc:docMk/>
-            <pc:sldMk cId="1899650122" sldId="319"/>
-            <ac:spMk id="3" creationId="{53D9EBC1-5B79-CCB0-E5DB-7B18A358E79A}"/>
-          </ac:spMkLst>
-        </pc:spChg>
-        <pc:spChg chg="add mod">
-          <ac:chgData name="Julia Moeller" userId="0bcb1583-c1a4-48b5-87e6-2cc074d2d571" providerId="ADAL" clId="{6EB750B9-5FA5-4ADA-87B7-5DA225928C11}" dt="2023-10-03T14:04:35.749" v="1052" actId="164"/>
-          <ac:spMkLst>
-            <pc:docMk/>
-            <pc:sldMk cId="1899650122" sldId="319"/>
-            <ac:spMk id="4" creationId="{C66925BA-7B49-59BA-4765-E1DCB4F2E5BF}"/>
-          </ac:spMkLst>
-        </pc:spChg>
-        <pc:spChg chg="mod">
-          <ac:chgData name="Julia Moeller" userId="0bcb1583-c1a4-48b5-87e6-2cc074d2d571" providerId="ADAL" clId="{6EB750B9-5FA5-4ADA-87B7-5DA225928C11}" dt="2023-10-03T17:45:17.718" v="1668" actId="20577"/>
-          <ac:spMkLst>
-            <pc:docMk/>
-            <pc:sldMk cId="1899650122" sldId="319"/>
-            <ac:spMk id="13" creationId="{00000000-0000-0000-0000-000000000000}"/>
-          </ac:spMkLst>
-        </pc:spChg>
-        <pc:spChg chg="del mod">
-          <ac:chgData name="Julia Moeller" userId="0bcb1583-c1a4-48b5-87e6-2cc074d2d571" providerId="ADAL" clId="{6EB750B9-5FA5-4ADA-87B7-5DA225928C11}" dt="2023-10-03T13:58:54.501" v="993" actId="478"/>
-          <ac:spMkLst>
-            <pc:docMk/>
-            <pc:sldMk cId="1899650122" sldId="319"/>
-            <ac:spMk id="14" creationId="{00000000-0000-0000-0000-000000000000}"/>
-          </ac:spMkLst>
-        </pc:spChg>
-        <pc:spChg chg="del">
-          <ac:chgData name="Julia Moeller" userId="0bcb1583-c1a4-48b5-87e6-2cc074d2d571" providerId="ADAL" clId="{6EB750B9-5FA5-4ADA-87B7-5DA225928C11}" dt="2023-10-03T11:14:00.914" v="691" actId="478"/>
-          <ac:spMkLst>
-            <pc:docMk/>
-            <pc:sldMk cId="1899650122" sldId="319"/>
-            <ac:spMk id="18" creationId="{00000000-0000-0000-0000-000000000000}"/>
-          </ac:spMkLst>
-        </pc:spChg>
-        <pc:spChg chg="del mod">
-          <ac:chgData name="Julia Moeller" userId="0bcb1583-c1a4-48b5-87e6-2cc074d2d571" providerId="ADAL" clId="{6EB750B9-5FA5-4ADA-87B7-5DA225928C11}" dt="2023-10-03T14:03:31.845" v="1040" actId="478"/>
-          <ac:spMkLst>
-            <pc:docMk/>
-            <pc:sldMk cId="1899650122" sldId="319"/>
-            <ac:spMk id="20" creationId="{00000000-0000-0000-0000-000000000000}"/>
-          </ac:spMkLst>
-        </pc:spChg>
-        <pc:grpChg chg="add mod">
-          <ac:chgData name="Julia Moeller" userId="0bcb1583-c1a4-48b5-87e6-2cc074d2d571" providerId="ADAL" clId="{6EB750B9-5FA5-4ADA-87B7-5DA225928C11}" dt="2023-10-03T17:45:23.917" v="1669" actId="1076"/>
-          <ac:grpSpMkLst>
-            <pc:docMk/>
-            <pc:sldMk cId="1899650122" sldId="319"/>
-            <ac:grpSpMk id="5" creationId="{DD893FB6-76F6-7842-D8AC-A55CB65D4375}"/>
-          </ac:grpSpMkLst>
-        </pc:grpChg>
-        <pc:picChg chg="mod">
-          <ac:chgData name="Julia Moeller" userId="0bcb1583-c1a4-48b5-87e6-2cc074d2d571" providerId="ADAL" clId="{6EB750B9-5FA5-4ADA-87B7-5DA225928C11}" dt="2023-10-03T14:04:35.749" v="1052" actId="164"/>
-          <ac:picMkLst>
-            <pc:docMk/>
-            <pc:sldMk cId="1899650122" sldId="319"/>
-            <ac:picMk id="9" creationId="{6EBDC4FD-E5D8-590D-A85A-92F4F8A2CC22}"/>
-          </ac:picMkLst>
-        </pc:picChg>
-        <pc:cxnChg chg="del">
-          <ac:chgData name="Julia Moeller" userId="0bcb1583-c1a4-48b5-87e6-2cc074d2d571" providerId="ADAL" clId="{6EB750B9-5FA5-4ADA-87B7-5DA225928C11}" dt="2023-10-03T11:13:57.026" v="688" actId="478"/>
-          <ac:cxnSpMkLst>
-            <pc:docMk/>
-            <pc:sldMk cId="1899650122" sldId="319"/>
-            <ac:cxnSpMk id="7" creationId="{00000000-0000-0000-0000-000000000000}"/>
-          </ac:cxnSpMkLst>
-        </pc:cxnChg>
-        <pc:cxnChg chg="del mod">
-          <ac:chgData name="Julia Moeller" userId="0bcb1583-c1a4-48b5-87e6-2cc074d2d571" providerId="ADAL" clId="{6EB750B9-5FA5-4ADA-87B7-5DA225928C11}" dt="2023-10-03T11:13:56.161" v="687" actId="478"/>
-          <ac:cxnSpMkLst>
-            <pc:docMk/>
-            <pc:sldMk cId="1899650122" sldId="319"/>
-            <ac:cxnSpMk id="11" creationId="{00000000-0000-0000-0000-000000000000}"/>
-          </ac:cxnSpMkLst>
-        </pc:cxnChg>
-        <pc:cxnChg chg="del">
-          <ac:chgData name="Julia Moeller" userId="0bcb1583-c1a4-48b5-87e6-2cc074d2d571" providerId="ADAL" clId="{6EB750B9-5FA5-4ADA-87B7-5DA225928C11}" dt="2023-10-03T11:13:58.044" v="689" actId="478"/>
-          <ac:cxnSpMkLst>
-            <pc:docMk/>
-            <pc:sldMk cId="1899650122" sldId="319"/>
-            <ac:cxnSpMk id="12" creationId="{00000000-0000-0000-0000-000000000000}"/>
-          </ac:cxnSpMkLst>
-        </pc:cxnChg>
-        <pc:cxnChg chg="del">
-          <ac:chgData name="Julia Moeller" userId="0bcb1583-c1a4-48b5-87e6-2cc074d2d571" providerId="ADAL" clId="{6EB750B9-5FA5-4ADA-87B7-5DA225928C11}" dt="2023-10-03T11:13:59.178" v="690" actId="478"/>
-          <ac:cxnSpMkLst>
-            <pc:docMk/>
-            <pc:sldMk cId="1899650122" sldId="319"/>
-            <ac:cxnSpMk id="15" creationId="{00000000-0000-0000-0000-000000000000}"/>
-          </ac:cxnSpMkLst>
-        </pc:cxnChg>
-      </pc:sldChg>
-      <pc:sldChg chg="modSp mod">
-        <pc:chgData name="Julia Moeller" userId="0bcb1583-c1a4-48b5-87e6-2cc074d2d571" providerId="ADAL" clId="{6EB750B9-5FA5-4ADA-87B7-5DA225928C11}" dt="2023-10-03T17:45:47.689" v="1673" actId="207"/>
-        <pc:sldMkLst>
-          <pc:docMk/>
-          <pc:sldMk cId="3202354277" sldId="320"/>
-        </pc:sldMkLst>
-        <pc:spChg chg="mod">
-          <ac:chgData name="Julia Moeller" userId="0bcb1583-c1a4-48b5-87e6-2cc074d2d571" providerId="ADAL" clId="{6EB750B9-5FA5-4ADA-87B7-5DA225928C11}" dt="2023-10-03T16:55:29.671" v="1137" actId="20577"/>
-          <ac:spMkLst>
-            <pc:docMk/>
-            <pc:sldMk cId="3202354277" sldId="320"/>
-            <ac:spMk id="2" creationId="{00000000-0000-0000-0000-000000000000}"/>
-          </ac:spMkLst>
-        </pc:spChg>
-        <pc:spChg chg="mod">
-          <ac:chgData name="Julia Moeller" userId="0bcb1583-c1a4-48b5-87e6-2cc074d2d571" providerId="ADAL" clId="{6EB750B9-5FA5-4ADA-87B7-5DA225928C11}" dt="2023-10-03T17:45:47.689" v="1673" actId="207"/>
-          <ac:spMkLst>
-            <pc:docMk/>
-            <pc:sldMk cId="3202354277" sldId="320"/>
-            <ac:spMk id="3" creationId="{00000000-0000-0000-0000-000000000000}"/>
-          </ac:spMkLst>
-        </pc:spChg>
-        <pc:spChg chg="mod">
-          <ac:chgData name="Julia Moeller" userId="0bcb1583-c1a4-48b5-87e6-2cc074d2d571" providerId="ADAL" clId="{6EB750B9-5FA5-4ADA-87B7-5DA225928C11}" dt="2023-10-03T16:57:33.044" v="1238" actId="21"/>
-          <ac:spMkLst>
-            <pc:docMk/>
-            <pc:sldMk cId="3202354277" sldId="320"/>
-            <ac:spMk id="8" creationId="{00000000-0000-0000-0000-000000000000}"/>
-          </ac:spMkLst>
-        </pc:spChg>
-        <pc:picChg chg="mod">
-          <ac:chgData name="Julia Moeller" userId="0bcb1583-c1a4-48b5-87e6-2cc074d2d571" providerId="ADAL" clId="{6EB750B9-5FA5-4ADA-87B7-5DA225928C11}" dt="2023-10-03T17:10:12.067" v="1454" actId="1076"/>
-          <ac:picMkLst>
-            <pc:docMk/>
-            <pc:sldMk cId="3202354277" sldId="320"/>
-            <ac:picMk id="6" creationId="{79C440EC-A07D-DEC2-FD9C-AAD6A47FA915}"/>
-          </ac:picMkLst>
-        </pc:picChg>
-      </pc:sldChg>
-      <pc:sldChg chg="modSp mod">
-        <pc:chgData name="Julia Moeller" userId="0bcb1583-c1a4-48b5-87e6-2cc074d2d571" providerId="ADAL" clId="{6EB750B9-5FA5-4ADA-87B7-5DA225928C11}" dt="2023-10-03T17:32:19.854" v="1532" actId="1076"/>
-        <pc:sldMkLst>
-          <pc:docMk/>
-          <pc:sldMk cId="2871818766" sldId="321"/>
-        </pc:sldMkLst>
-        <pc:spChg chg="mod">
-          <ac:chgData name="Julia Moeller" userId="0bcb1583-c1a4-48b5-87e6-2cc074d2d571" providerId="ADAL" clId="{6EB750B9-5FA5-4ADA-87B7-5DA225928C11}" dt="2023-10-03T17:32:03.121" v="1530" actId="20577"/>
-          <ac:spMkLst>
-            <pc:docMk/>
-            <pc:sldMk cId="2871818766" sldId="321"/>
-            <ac:spMk id="3" creationId="{00000000-0000-0000-0000-000000000000}"/>
-          </ac:spMkLst>
-        </pc:spChg>
-        <pc:picChg chg="mod">
-          <ac:chgData name="Julia Moeller" userId="0bcb1583-c1a4-48b5-87e6-2cc074d2d571" providerId="ADAL" clId="{6EB750B9-5FA5-4ADA-87B7-5DA225928C11}" dt="2023-10-03T17:32:19.854" v="1532" actId="1076"/>
-          <ac:picMkLst>
-            <pc:docMk/>
-            <pc:sldMk cId="2871818766" sldId="321"/>
-            <ac:picMk id="5" creationId="{FA285344-574C-5A09-AAA9-C97FD4D57000}"/>
-          </ac:picMkLst>
-        </pc:picChg>
-      </pc:sldChg>
-      <pc:sldChg chg="modSp mod">
-        <pc:chgData name="Julia Moeller" userId="0bcb1583-c1a4-48b5-87e6-2cc074d2d571" providerId="ADAL" clId="{6EB750B9-5FA5-4ADA-87B7-5DA225928C11}" dt="2023-10-03T17:42:51.260" v="1637" actId="20577"/>
-        <pc:sldMkLst>
-          <pc:docMk/>
-          <pc:sldMk cId="521284543" sldId="322"/>
-        </pc:sldMkLst>
-        <pc:spChg chg="mod">
-          <ac:chgData name="Julia Moeller" userId="0bcb1583-c1a4-48b5-87e6-2cc074d2d571" providerId="ADAL" clId="{6EB750B9-5FA5-4ADA-87B7-5DA225928C11}" dt="2023-10-03T17:42:51.260" v="1637" actId="20577"/>
-          <ac:spMkLst>
-            <pc:docMk/>
-            <pc:sldMk cId="521284543" sldId="322"/>
-            <ac:spMk id="3" creationId="{00000000-0000-0000-0000-000000000000}"/>
-          </ac:spMkLst>
-        </pc:spChg>
-      </pc:sldChg>
-      <pc:sldChg chg="modSp mod">
-        <pc:chgData name="Julia Moeller" userId="0bcb1583-c1a4-48b5-87e6-2cc074d2d571" providerId="ADAL" clId="{6EB750B9-5FA5-4ADA-87B7-5DA225928C11}" dt="2023-10-03T17:43:58.837" v="1657" actId="20577"/>
-        <pc:sldMkLst>
-          <pc:docMk/>
-          <pc:sldMk cId="3104679409" sldId="323"/>
-        </pc:sldMkLst>
-        <pc:spChg chg="mod">
-          <ac:chgData name="Julia Moeller" userId="0bcb1583-c1a4-48b5-87e6-2cc074d2d571" providerId="ADAL" clId="{6EB750B9-5FA5-4ADA-87B7-5DA225928C11}" dt="2023-10-03T17:43:58.837" v="1657" actId="20577"/>
-          <ac:spMkLst>
-            <pc:docMk/>
-            <pc:sldMk cId="3104679409" sldId="323"/>
-            <ac:spMk id="3" creationId="{00000000-0000-0000-0000-000000000000}"/>
-          </ac:spMkLst>
-        </pc:spChg>
-      </pc:sldChg>
-      <pc:sldChg chg="modSp mod">
-        <pc:chgData name="Julia Moeller" userId="0bcb1583-c1a4-48b5-87e6-2cc074d2d571" providerId="ADAL" clId="{6EB750B9-5FA5-4ADA-87B7-5DA225928C11}" dt="2023-10-03T17:53:22.891" v="1751" actId="1076"/>
+      <pc:sldChg chg="modSp">
+        <pc:chgData name="Julia Moeller" userId="S::julia.moeller@phs.scot::0bcb1583-c1a4-48b5-87e6-2cc074d2d571" providerId="AD" clId="Web-{91BD5106-5F1B-4809-BCC1-C2D8A9B542C7}" dt="2023-10-10T08:07:26.891" v="14" actId="20577"/>
         <pc:sldMkLst>
           <pc:docMk/>
           <pc:sldMk cId="3140665573" sldId="324"/>
         </pc:sldMkLst>
         <pc:spChg chg="mod">
-          <ac:chgData name="Julia Moeller" userId="0bcb1583-c1a4-48b5-87e6-2cc074d2d571" providerId="ADAL" clId="{6EB750B9-5FA5-4ADA-87B7-5DA225928C11}" dt="2023-10-03T17:53:17.908" v="1750" actId="207"/>
+          <ac:chgData name="Julia Moeller" userId="S::julia.moeller@phs.scot::0bcb1583-c1a4-48b5-87e6-2cc074d2d571" providerId="AD" clId="Web-{91BD5106-5F1B-4809-BCC1-C2D8A9B542C7}" dt="2023-10-10T08:07:26.891" v="14" actId="20577"/>
           <ac:spMkLst>
             <pc:docMk/>
             <pc:sldMk cId="3140665573" sldId="324"/>
             <ac:spMk id="3" creationId="{00000000-0000-0000-0000-000000000000}"/>
           </ac:spMkLst>
         </pc:spChg>
-        <pc:picChg chg="mod">
-          <ac:chgData name="Julia Moeller" userId="0bcb1583-c1a4-48b5-87e6-2cc074d2d571" providerId="ADAL" clId="{6EB750B9-5FA5-4ADA-87B7-5DA225928C11}" dt="2023-10-03T17:53:22.891" v="1751" actId="1076"/>
-          <ac:picMkLst>
-            <pc:docMk/>
-            <pc:sldMk cId="3140665573" sldId="324"/>
-            <ac:picMk id="4" creationId="{EDE8F78A-7F54-758F-64DC-7A8DC43D5B7D}"/>
-          </ac:picMkLst>
-        </pc:picChg>
       </pc:sldChg>
-      <pc:sldChg chg="delSp modSp mod">
-        <pc:chgData name="Julia Moeller" userId="0bcb1583-c1a4-48b5-87e6-2cc074d2d571" providerId="ADAL" clId="{6EB750B9-5FA5-4ADA-87B7-5DA225928C11}" dt="2023-10-03T18:03:22.048" v="2267" actId="113"/>
-        <pc:sldMkLst>
-          <pc:docMk/>
-          <pc:sldMk cId="947931953" sldId="325"/>
-        </pc:sldMkLst>
-        <pc:spChg chg="mod">
-          <ac:chgData name="Julia Moeller" userId="0bcb1583-c1a4-48b5-87e6-2cc074d2d571" providerId="ADAL" clId="{6EB750B9-5FA5-4ADA-87B7-5DA225928C11}" dt="2023-10-03T17:54:07.225" v="1752" actId="20577"/>
-          <ac:spMkLst>
-            <pc:docMk/>
-            <pc:sldMk cId="947931953" sldId="325"/>
-            <ac:spMk id="2" creationId="{00000000-0000-0000-0000-000000000000}"/>
-          </ac:spMkLst>
-        </pc:spChg>
-        <pc:spChg chg="mod">
-          <ac:chgData name="Julia Moeller" userId="0bcb1583-c1a4-48b5-87e6-2cc074d2d571" providerId="ADAL" clId="{6EB750B9-5FA5-4ADA-87B7-5DA225928C11}" dt="2023-10-03T18:03:22.048" v="2267" actId="113"/>
-          <ac:spMkLst>
-            <pc:docMk/>
-            <pc:sldMk cId="947931953" sldId="325"/>
-            <ac:spMk id="3" creationId="{00000000-0000-0000-0000-000000000000}"/>
-          </ac:spMkLst>
-        </pc:spChg>
-        <pc:spChg chg="del mod">
-          <ac:chgData name="Julia Moeller" userId="0bcb1583-c1a4-48b5-87e6-2cc074d2d571" providerId="ADAL" clId="{6EB750B9-5FA5-4ADA-87B7-5DA225928C11}" dt="2023-10-03T18:01:43.447" v="2258" actId="478"/>
-          <ac:spMkLst>
-            <pc:docMk/>
-            <pc:sldMk cId="947931953" sldId="325"/>
-            <ac:spMk id="6" creationId="{00000000-0000-0000-0000-000000000000}"/>
-          </ac:spMkLst>
-        </pc:spChg>
-        <pc:picChg chg="mod">
-          <ac:chgData name="Julia Moeller" userId="0bcb1583-c1a4-48b5-87e6-2cc074d2d571" providerId="ADAL" clId="{6EB750B9-5FA5-4ADA-87B7-5DA225928C11}" dt="2023-10-03T18:03:08.115" v="2265" actId="1076"/>
-          <ac:picMkLst>
-            <pc:docMk/>
-            <pc:sldMk cId="947931953" sldId="325"/>
-            <ac:picMk id="4" creationId="{AA1BC790-1CB3-E605-6627-452866C6EEC9}"/>
-          </ac:picMkLst>
-        </pc:picChg>
-      </pc:sldChg>
-      <pc:sldChg chg="modSp mod">
-        <pc:chgData name="Julia Moeller" userId="0bcb1583-c1a4-48b5-87e6-2cc074d2d571" providerId="ADAL" clId="{6EB750B9-5FA5-4ADA-87B7-5DA225928C11}" dt="2023-10-03T18:08:07.906" v="2311" actId="1076"/>
-        <pc:sldMkLst>
-          <pc:docMk/>
-          <pc:sldMk cId="1828715617" sldId="326"/>
-        </pc:sldMkLst>
-        <pc:spChg chg="mod">
-          <ac:chgData name="Julia Moeller" userId="0bcb1583-c1a4-48b5-87e6-2cc074d2d571" providerId="ADAL" clId="{6EB750B9-5FA5-4ADA-87B7-5DA225928C11}" dt="2023-10-03T18:02:53.814" v="2264" actId="20577"/>
-          <ac:spMkLst>
-            <pc:docMk/>
-            <pc:sldMk cId="1828715617" sldId="326"/>
-            <ac:spMk id="2" creationId="{00000000-0000-0000-0000-000000000000}"/>
-          </ac:spMkLst>
-        </pc:spChg>
-        <pc:spChg chg="mod">
-          <ac:chgData name="Julia Moeller" userId="0bcb1583-c1a4-48b5-87e6-2cc074d2d571" providerId="ADAL" clId="{6EB750B9-5FA5-4ADA-87B7-5DA225928C11}" dt="2023-10-03T18:08:04.921" v="2310" actId="27636"/>
-          <ac:spMkLst>
-            <pc:docMk/>
-            <pc:sldMk cId="1828715617" sldId="326"/>
-            <ac:spMk id="3" creationId="{00000000-0000-0000-0000-000000000000}"/>
-          </ac:spMkLst>
-        </pc:spChg>
-        <pc:picChg chg="mod">
-          <ac:chgData name="Julia Moeller" userId="0bcb1583-c1a4-48b5-87e6-2cc074d2d571" providerId="ADAL" clId="{6EB750B9-5FA5-4ADA-87B7-5DA225928C11}" dt="2023-10-03T18:08:07.906" v="2311" actId="1076"/>
-          <ac:picMkLst>
-            <pc:docMk/>
-            <pc:sldMk cId="1828715617" sldId="326"/>
-            <ac:picMk id="4" creationId="{7BFD6A72-041E-91BA-6DF1-DDB67683C3F1}"/>
-          </ac:picMkLst>
-        </pc:picChg>
-      </pc:sldChg>
-      <pc:sldChg chg="delSp modSp mod">
-        <pc:chgData name="Julia Moeller" userId="0bcb1583-c1a4-48b5-87e6-2cc074d2d571" providerId="ADAL" clId="{6EB750B9-5FA5-4ADA-87B7-5DA225928C11}" dt="2023-10-03T18:14:39.565" v="2445" actId="1076"/>
-        <pc:sldMkLst>
-          <pc:docMk/>
-          <pc:sldMk cId="574553165" sldId="327"/>
-        </pc:sldMkLst>
-        <pc:spChg chg="mod">
-          <ac:chgData name="Julia Moeller" userId="0bcb1583-c1a4-48b5-87e6-2cc074d2d571" providerId="ADAL" clId="{6EB750B9-5FA5-4ADA-87B7-5DA225928C11}" dt="2023-10-03T18:14:33.708" v="2444" actId="20577"/>
-          <ac:spMkLst>
-            <pc:docMk/>
-            <pc:sldMk cId="574553165" sldId="327"/>
-            <ac:spMk id="3" creationId="{00000000-0000-0000-0000-000000000000}"/>
-          </ac:spMkLst>
-        </pc:spChg>
-        <pc:spChg chg="del mod">
-          <ac:chgData name="Julia Moeller" userId="0bcb1583-c1a4-48b5-87e6-2cc074d2d571" providerId="ADAL" clId="{6EB750B9-5FA5-4ADA-87B7-5DA225928C11}" dt="2023-10-03T18:12:19.021" v="2405" actId="478"/>
-          <ac:spMkLst>
-            <pc:docMk/>
-            <pc:sldMk cId="574553165" sldId="327"/>
-            <ac:spMk id="6" creationId="{00000000-0000-0000-0000-000000000000}"/>
-          </ac:spMkLst>
-        </pc:spChg>
-        <pc:picChg chg="mod">
-          <ac:chgData name="Julia Moeller" userId="0bcb1583-c1a4-48b5-87e6-2cc074d2d571" providerId="ADAL" clId="{6EB750B9-5FA5-4ADA-87B7-5DA225928C11}" dt="2023-10-03T18:14:39.565" v="2445" actId="1076"/>
-          <ac:picMkLst>
-            <pc:docMk/>
-            <pc:sldMk cId="574553165" sldId="327"/>
-            <ac:picMk id="4" creationId="{3731AFA8-40EC-989E-F469-FA0E871059A2}"/>
-          </ac:picMkLst>
-        </pc:picChg>
-      </pc:sldChg>
-      <pc:sldChg chg="modSp mod">
-        <pc:chgData name="Julia Moeller" userId="0bcb1583-c1a4-48b5-87e6-2cc074d2d571" providerId="ADAL" clId="{6EB750B9-5FA5-4ADA-87B7-5DA225928C11}" dt="2023-10-03T18:13:36.029" v="2417" actId="1076"/>
-        <pc:sldMkLst>
-          <pc:docMk/>
-          <pc:sldMk cId="1422946853" sldId="328"/>
-        </pc:sldMkLst>
-        <pc:spChg chg="mod">
-          <ac:chgData name="Julia Moeller" userId="0bcb1583-c1a4-48b5-87e6-2cc074d2d571" providerId="ADAL" clId="{6EB750B9-5FA5-4ADA-87B7-5DA225928C11}" dt="2023-10-03T18:13:12.470" v="2415" actId="1076"/>
-          <ac:spMkLst>
-            <pc:docMk/>
-            <pc:sldMk cId="1422946853" sldId="328"/>
-            <ac:spMk id="3" creationId="{00000000-0000-0000-0000-000000000000}"/>
-          </ac:spMkLst>
-        </pc:spChg>
-        <pc:picChg chg="mod">
-          <ac:chgData name="Julia Moeller" userId="0bcb1583-c1a4-48b5-87e6-2cc074d2d571" providerId="ADAL" clId="{6EB750B9-5FA5-4ADA-87B7-5DA225928C11}" dt="2023-10-03T18:13:36.029" v="2417" actId="1076"/>
-          <ac:picMkLst>
-            <pc:docMk/>
-            <pc:sldMk cId="1422946853" sldId="328"/>
-            <ac:picMk id="5" creationId="{00000000-0000-0000-0000-000000000000}"/>
-          </ac:picMkLst>
-        </pc:picChg>
-      </pc:sldChg>
-      <pc:sldChg chg="delSp modSp mod">
-        <pc:chgData name="Julia Moeller" userId="0bcb1583-c1a4-48b5-87e6-2cc074d2d571" providerId="ADAL" clId="{6EB750B9-5FA5-4ADA-87B7-5DA225928C11}" dt="2023-10-03T18:17:45.443" v="2472" actId="1076"/>
-        <pc:sldMkLst>
-          <pc:docMk/>
-          <pc:sldMk cId="2149528205" sldId="330"/>
-        </pc:sldMkLst>
-        <pc:spChg chg="mod">
-          <ac:chgData name="Julia Moeller" userId="0bcb1583-c1a4-48b5-87e6-2cc074d2d571" providerId="ADAL" clId="{6EB750B9-5FA5-4ADA-87B7-5DA225928C11}" dt="2023-10-03T18:17:45.443" v="2472" actId="1076"/>
-          <ac:spMkLst>
-            <pc:docMk/>
-            <pc:sldMk cId="2149528205" sldId="330"/>
-            <ac:spMk id="3" creationId="{00000000-0000-0000-0000-000000000000}"/>
-          </ac:spMkLst>
-        </pc:spChg>
-        <pc:spChg chg="del mod">
-          <ac:chgData name="Julia Moeller" userId="0bcb1583-c1a4-48b5-87e6-2cc074d2d571" providerId="ADAL" clId="{6EB750B9-5FA5-4ADA-87B7-5DA225928C11}" dt="2023-10-03T18:16:59.485" v="2467" actId="478"/>
-          <ac:spMkLst>
-            <pc:docMk/>
-            <pc:sldMk cId="2149528205" sldId="330"/>
-            <ac:spMk id="9" creationId="{00000000-0000-0000-0000-000000000000}"/>
-          </ac:spMkLst>
-        </pc:spChg>
-        <pc:picChg chg="mod">
-          <ac:chgData name="Julia Moeller" userId="0bcb1583-c1a4-48b5-87e6-2cc074d2d571" providerId="ADAL" clId="{6EB750B9-5FA5-4ADA-87B7-5DA225928C11}" dt="2023-10-03T18:17:14.540" v="2471" actId="1076"/>
-          <ac:picMkLst>
-            <pc:docMk/>
-            <pc:sldMk cId="2149528205" sldId="330"/>
-            <ac:picMk id="16" creationId="{00000000-0000-0000-0000-000000000000}"/>
-          </ac:picMkLst>
-        </pc:picChg>
-      </pc:sldChg>
-      <pc:sldChg chg="modSp mod">
-        <pc:chgData name="Julia Moeller" userId="0bcb1583-c1a4-48b5-87e6-2cc074d2d571" providerId="ADAL" clId="{6EB750B9-5FA5-4ADA-87B7-5DA225928C11}" dt="2023-10-03T18:20:02.875" v="2475" actId="20577"/>
-        <pc:sldMkLst>
-          <pc:docMk/>
-          <pc:sldMk cId="2921820214" sldId="331"/>
-        </pc:sldMkLst>
-        <pc:spChg chg="mod">
-          <ac:chgData name="Julia Moeller" userId="0bcb1583-c1a4-48b5-87e6-2cc074d2d571" providerId="ADAL" clId="{6EB750B9-5FA5-4ADA-87B7-5DA225928C11}" dt="2023-10-03T18:20:02.875" v="2475" actId="20577"/>
-          <ac:spMkLst>
-            <pc:docMk/>
-            <pc:sldMk cId="2921820214" sldId="331"/>
-            <ac:spMk id="3" creationId="{00000000-0000-0000-0000-000000000000}"/>
-          </ac:spMkLst>
-        </pc:spChg>
-        <pc:spChg chg="mod">
-          <ac:chgData name="Julia Moeller" userId="0bcb1583-c1a4-48b5-87e6-2cc074d2d571" providerId="ADAL" clId="{6EB750B9-5FA5-4ADA-87B7-5DA225928C11}" dt="2023-10-03T18:19:57.957" v="2473" actId="179"/>
-          <ac:spMkLst>
-            <pc:docMk/>
-            <pc:sldMk cId="2921820214" sldId="331"/>
-            <ac:spMk id="7" creationId="{00000000-0000-0000-0000-000000000000}"/>
-          </ac:spMkLst>
-        </pc:spChg>
-      </pc:sldChg>
-      <pc:sldChg chg="modSp mod">
-        <pc:chgData name="Julia Moeller" userId="0bcb1583-c1a4-48b5-87e6-2cc074d2d571" providerId="ADAL" clId="{6EB750B9-5FA5-4ADA-87B7-5DA225928C11}" dt="2023-10-03T18:21:27.847" v="2559" actId="20577"/>
-        <pc:sldMkLst>
-          <pc:docMk/>
-          <pc:sldMk cId="3168300767" sldId="332"/>
-        </pc:sldMkLst>
-        <pc:spChg chg="mod">
-          <ac:chgData name="Julia Moeller" userId="0bcb1583-c1a4-48b5-87e6-2cc074d2d571" providerId="ADAL" clId="{6EB750B9-5FA5-4ADA-87B7-5DA225928C11}" dt="2023-10-03T18:21:27.847" v="2559" actId="20577"/>
-          <ac:spMkLst>
-            <pc:docMk/>
-            <pc:sldMk cId="3168300767" sldId="332"/>
-            <ac:spMk id="3" creationId="{00000000-0000-0000-0000-000000000000}"/>
-          </ac:spMkLst>
-        </pc:spChg>
-      </pc:sldChg>
-      <pc:sldChg chg="modSp mod">
-        <pc:chgData name="Julia Moeller" userId="0bcb1583-c1a4-48b5-87e6-2cc074d2d571" providerId="ADAL" clId="{6EB750B9-5FA5-4ADA-87B7-5DA225928C11}" dt="2023-09-29T10:01:56.797" v="9" actId="2711"/>
-        <pc:sldMkLst>
-          <pc:docMk/>
-          <pc:sldMk cId="4074418204" sldId="334"/>
-        </pc:sldMkLst>
-        <pc:spChg chg="mod">
-          <ac:chgData name="Julia Moeller" userId="0bcb1583-c1a4-48b5-87e6-2cc074d2d571" providerId="ADAL" clId="{6EB750B9-5FA5-4ADA-87B7-5DA225928C11}" dt="2023-09-29T10:01:56.797" v="9" actId="2711"/>
-          <ac:spMkLst>
-            <pc:docMk/>
-            <pc:sldMk cId="4074418204" sldId="334"/>
-            <ac:spMk id="2" creationId="{A148728D-6668-C0AF-194D-F9D4519DD2EB}"/>
-          </ac:spMkLst>
-        </pc:spChg>
-      </pc:sldChg>
-      <pc:sldChg chg="modSp mod">
-        <pc:chgData name="Julia Moeller" userId="0bcb1583-c1a4-48b5-87e6-2cc074d2d571" providerId="ADAL" clId="{6EB750B9-5FA5-4ADA-87B7-5DA225928C11}" dt="2023-09-29T10:10:14.304" v="54" actId="207"/>
+      <pc:sldChg chg="modSp">
+        <pc:chgData name="Julia Moeller" userId="S::julia.moeller@phs.scot::0bcb1583-c1a4-48b5-87e6-2cc074d2d571" providerId="AD" clId="Web-{91BD5106-5F1B-4809-BCC1-C2D8A9B542C7}" dt="2023-10-10T08:06:54.375" v="4" actId="20577"/>
         <pc:sldMkLst>
           <pc:docMk/>
           <pc:sldMk cId="2741752296" sldId="335"/>
         </pc:sldMkLst>
         <pc:spChg chg="mod">
-          <ac:chgData name="Julia Moeller" userId="0bcb1583-c1a4-48b5-87e6-2cc074d2d571" providerId="ADAL" clId="{6EB750B9-5FA5-4ADA-87B7-5DA225928C11}" dt="2023-09-29T10:10:14.304" v="54" actId="207"/>
+          <ac:chgData name="Julia Moeller" userId="S::julia.moeller@phs.scot::0bcb1583-c1a4-48b5-87e6-2cc074d2d571" providerId="AD" clId="Web-{91BD5106-5F1B-4809-BCC1-C2D8A9B542C7}" dt="2023-10-10T08:06:54.375" v="4" actId="20577"/>
           <ac:spMkLst>
             <pc:docMk/>
             <pc:sldMk cId="2741752296" sldId="335"/>
-            <ac:spMk id="4" creationId="{005747D8-8F26-3A6A-E6D5-8B473961887D}"/>
-          </ac:spMkLst>
-        </pc:spChg>
-      </pc:sldChg>
-      <pc:sldChg chg="modSp mod">
-        <pc:chgData name="Julia Moeller" userId="0bcb1583-c1a4-48b5-87e6-2cc074d2d571" providerId="ADAL" clId="{6EB750B9-5FA5-4ADA-87B7-5DA225928C11}" dt="2023-09-29T10:03:29.846" v="16" actId="2711"/>
-        <pc:sldMkLst>
-          <pc:docMk/>
-          <pc:sldMk cId="3037016875" sldId="336"/>
-        </pc:sldMkLst>
-        <pc:spChg chg="mod">
-          <ac:chgData name="Julia Moeller" userId="0bcb1583-c1a4-48b5-87e6-2cc074d2d571" providerId="ADAL" clId="{6EB750B9-5FA5-4ADA-87B7-5DA225928C11}" dt="2023-09-29T10:03:29.846" v="16" actId="2711"/>
-          <ac:spMkLst>
-            <pc:docMk/>
-            <pc:sldMk cId="3037016875" sldId="336"/>
-            <ac:spMk id="2" creationId="{6AFEAF07-EFB2-483B-AAF4-44BEE5618B58}"/>
+            <ac:spMk id="2" creationId="{6FDEC915-453E-8D47-79B9-0070BD1E7B6C}"/>
           </ac:spMkLst>
         </pc:spChg>
       </pc:sldChg>
@@ -2753,6 +2838,82 @@
             <ac:picMk id="5" creationId="{40114555-A147-EA50-3F23-258217452A78}"/>
           </ac:picMkLst>
         </pc:picChg>
+      </pc:sldChg>
+    </pc:docChg>
+  </pc:docChgLst>
+  <pc:docChgLst>
+    <pc:chgData name="Julia Moeller" userId="S::julia.moeller@phs.scot::0bcb1583-c1a4-48b5-87e6-2cc074d2d571" providerId="AD" clId="Web-{42ABB5CA-9233-4BEE-9804-A34D901A549E}"/>
+    <pc:docChg chg="delSld modSld">
+      <pc:chgData name="Julia Moeller" userId="S::julia.moeller@phs.scot::0bcb1583-c1a4-48b5-87e6-2cc074d2d571" providerId="AD" clId="Web-{42ABB5CA-9233-4BEE-9804-A34D901A549E}" dt="2023-10-10T08:26:18.056" v="16" actId="1076"/>
+      <pc:docMkLst>
+        <pc:docMk/>
+      </pc:docMkLst>
+      <pc:sldChg chg="modSp">
+        <pc:chgData name="Julia Moeller" userId="S::julia.moeller@phs.scot::0bcb1583-c1a4-48b5-87e6-2cc074d2d571" providerId="AD" clId="Web-{42ABB5CA-9233-4BEE-9804-A34D901A549E}" dt="2023-10-10T08:24:34.429" v="5" actId="20577"/>
+        <pc:sldMkLst>
+          <pc:docMk/>
+          <pc:sldMk cId="2421927408" sldId="297"/>
+        </pc:sldMkLst>
+        <pc:spChg chg="mod">
+          <ac:chgData name="Julia Moeller" userId="S::julia.moeller@phs.scot::0bcb1583-c1a4-48b5-87e6-2cc074d2d571" providerId="AD" clId="Web-{42ABB5CA-9233-4BEE-9804-A34D901A549E}" dt="2023-10-10T08:24:34.429" v="5" actId="20577"/>
+          <ac:spMkLst>
+            <pc:docMk/>
+            <pc:sldMk cId="2421927408" sldId="297"/>
+            <ac:spMk id="3" creationId="{00000000-0000-0000-0000-000000000000}"/>
+          </ac:spMkLst>
+        </pc:spChg>
+      </pc:sldChg>
+      <pc:sldChg chg="modSp">
+        <pc:chgData name="Julia Moeller" userId="S::julia.moeller@phs.scot::0bcb1583-c1a4-48b5-87e6-2cc074d2d571" providerId="AD" clId="Web-{42ABB5CA-9233-4BEE-9804-A34D901A549E}" dt="2023-10-10T08:26:18.056" v="16" actId="1076"/>
+        <pc:sldMkLst>
+          <pc:docMk/>
+          <pc:sldMk cId="4201418052" sldId="304"/>
+        </pc:sldMkLst>
+        <pc:picChg chg="mod">
+          <ac:chgData name="Julia Moeller" userId="S::julia.moeller@phs.scot::0bcb1583-c1a4-48b5-87e6-2cc074d2d571" providerId="AD" clId="Web-{42ABB5CA-9233-4BEE-9804-A34D901A549E}" dt="2023-10-10T08:26:18.056" v="16" actId="1076"/>
+          <ac:picMkLst>
+            <pc:docMk/>
+            <pc:sldMk cId="4201418052" sldId="304"/>
+            <ac:picMk id="6" creationId="{0006F863-3F90-F7BA-8253-9459AA803B92}"/>
+          </ac:picMkLst>
+        </pc:picChg>
+      </pc:sldChg>
+      <pc:sldChg chg="modSp">
+        <pc:chgData name="Julia Moeller" userId="S::julia.moeller@phs.scot::0bcb1583-c1a4-48b5-87e6-2cc074d2d571" providerId="AD" clId="Web-{42ABB5CA-9233-4BEE-9804-A34D901A549E}" dt="2023-10-10T08:25:36.555" v="12" actId="14100"/>
+        <pc:sldMkLst>
+          <pc:docMk/>
+          <pc:sldMk cId="3320271262" sldId="307"/>
+        </pc:sldMkLst>
+        <pc:picChg chg="mod">
+          <ac:chgData name="Julia Moeller" userId="S::julia.moeller@phs.scot::0bcb1583-c1a4-48b5-87e6-2cc074d2d571" providerId="AD" clId="Web-{42ABB5CA-9233-4BEE-9804-A34D901A549E}" dt="2023-10-10T08:25:36.555" v="12" actId="14100"/>
+          <ac:picMkLst>
+            <pc:docMk/>
+            <pc:sldMk cId="3320271262" sldId="307"/>
+            <ac:picMk id="11" creationId="{B8F3A698-589B-A88D-A360-5E5A1359344B}"/>
+          </ac:picMkLst>
+        </pc:picChg>
+      </pc:sldChg>
+      <pc:sldChg chg="modSp">
+        <pc:chgData name="Julia Moeller" userId="S::julia.moeller@phs.scot::0bcb1583-c1a4-48b5-87e6-2cc074d2d571" providerId="AD" clId="Web-{42ABB5CA-9233-4BEE-9804-A34D901A549E}" dt="2023-10-10T08:25:08.445" v="8" actId="1076"/>
+        <pc:sldMkLst>
+          <pc:docMk/>
+          <pc:sldMk cId="3202354277" sldId="320"/>
+        </pc:sldMkLst>
+        <pc:picChg chg="mod">
+          <ac:chgData name="Julia Moeller" userId="S::julia.moeller@phs.scot::0bcb1583-c1a4-48b5-87e6-2cc074d2d571" providerId="AD" clId="Web-{42ABB5CA-9233-4BEE-9804-A34D901A549E}" dt="2023-10-10T08:25:08.445" v="8" actId="1076"/>
+          <ac:picMkLst>
+            <pc:docMk/>
+            <pc:sldMk cId="3202354277" sldId="320"/>
+            <ac:picMk id="6" creationId="{79C440EC-A07D-DEC2-FD9C-AAD6A47FA915}"/>
+          </ac:picMkLst>
+        </pc:picChg>
+      </pc:sldChg>
+      <pc:sldChg chg="del">
+        <pc:chgData name="Julia Moeller" userId="S::julia.moeller@phs.scot::0bcb1583-c1a4-48b5-87e6-2cc074d2d571" providerId="AD" clId="Web-{42ABB5CA-9233-4BEE-9804-A34D901A549E}" dt="2023-10-10T08:24:48.523" v="6"/>
+        <pc:sldMkLst>
+          <pc:docMk/>
+          <pc:sldMk cId="2149528205" sldId="330"/>
+        </pc:sldMkLst>
       </pc:sldChg>
     </pc:docChg>
   </pc:docChgLst>
@@ -3721,59 +3882,6 @@
 </p188:cmLst>
 </file>
 
-<file path=ppt/comments/modernComment_14A_801F328D.xml><?xml version="1.0" encoding="utf-8"?>
-<p188:cmLst xmlns:a="http://schemas.openxmlformats.org/drawingml/2006/main" xmlns:r="http://schemas.openxmlformats.org/officeDocument/2006/relationships" xmlns:p188="http://schemas.microsoft.com/office/powerpoint/2018/8/main">
-  <p188:cm id="{AE112718-3BDB-421C-A895-F060F2A41C40}" authorId="{7B0A6FA3-CF82-3BC2-4669-89778CD24ABB}" created="2023-08-31T10:56:13.173">
-    <pc:sldMkLst xmlns:pc="http://schemas.microsoft.com/office/powerpoint/2013/main/command">
-      <pc:docMk/>
-      <pc:sldMk cId="2149528205" sldId="290"/>
-    </pc:sldMkLst>
-    <p188:txBody>
-      <a:bodyPr/>
-      <a:lstStyle/>
-      <a:p>
-        <a:r>
-          <a:rPr lang="en-GB"/>
-          <a:t>Link to SOPs</a:t>
-        </a:r>
-      </a:p>
-    </p188:txBody>
-  </p188:cm>
-  <p188:cm id="{3E3FA070-7674-49FD-B8FA-A7A8A3AEF64B}" authorId="{7B0A6FA3-CF82-3BC2-4669-89778CD24ABB}" created="2023-08-31T10:56:50.673">
-    <pc:sldMkLst xmlns:pc="http://schemas.microsoft.com/office/powerpoint/2013/main/command">
-      <pc:docMk/>
-      <pc:sldMk cId="2149528205" sldId="290"/>
-    </pc:sldMkLst>
-    <p188:txBody>
-      <a:bodyPr/>
-      <a:lstStyle/>
-      <a:p>
-        <a:r>
-          <a:rPr lang="en-GB"/>
-          <a:t>Need to add password protection PRAs</a:t>
-        </a:r>
-      </a:p>
-    </p188:txBody>
-  </p188:cm>
-  <p188:cm id="{361F3B32-4062-4793-9917-9E566DEFFAB4}" authorId="{7B0A6FA3-CF82-3BC2-4669-89778CD24ABB}" created="2023-08-31T10:57:22.949">
-    <pc:sldMkLst xmlns:pc="http://schemas.microsoft.com/office/powerpoint/2013/main/command">
-      <pc:docMk/>
-      <pc:sldMk cId="2149528205" sldId="290"/>
-    </pc:sldMkLst>
-    <p188:txBody>
-      <a:bodyPr/>
-      <a:lstStyle/>
-      <a:p>
-        <a:r>
-          <a:rPr lang="en-GB"/>
-          <a:t>Have a slide or two about memory on our shiny server</a:t>
-        </a:r>
-      </a:p>
-    </p188:txBody>
-  </p188:cm>
-</p188:cmLst>
-</file>
-
 <file path=ppt/comments/modernComment_14C_BCD86EDF.xml><?xml version="1.0" encoding="utf-8"?>
 <p188:cmLst xmlns:a="http://schemas.openxmlformats.org/drawingml/2006/main" xmlns:r="http://schemas.openxmlformats.org/officeDocument/2006/relationships" xmlns:p188="http://schemas.microsoft.com/office/powerpoint/2018/8/main">
   <p188:cm id="{66DF2A01-F923-4A29-8664-DA715C396DD5}" authorId="{7B0A6FA3-CF82-3BC2-4669-89778CD24ABB}" created="2023-08-31T10:58:20.057">
@@ -3914,7 +4022,7 @@
           <a:p>
             <a:fld id="{71186706-72A3-4CE9-9548-1C240E2D7C77}" type="datetimeFigureOut">
               <a:rPr lang="en-GB" smtClean="0"/>
-              <a:t>03/10/2023</a:t>
+              <a:t>10/10/2023</a:t>
             </a:fld>
             <a:endParaRPr lang="en-GB"/>
           </a:p>
@@ -5981,18 +6089,40 @@
           <a:p>
             <a:r>
               <a:rPr lang="en-GB" dirty="0">
-                <a:latin typeface="Arial Black" panose="020B0A04020102020204" pitchFamily="34" charset="0"/>
+                <a:latin typeface="Arial Black"/>
+                <a:cs typeface="Arial"/>
               </a:rPr>
               <a:t>Exercise: </a:t>
             </a:r>
             <a:r>
               <a:rPr lang="en-GB" sz="2800" b="1" dirty="0">
-                <a:latin typeface="Arial Black" panose="020B0A04020102020204" pitchFamily="34" charset="0"/>
-              </a:rPr>
-              <a:t>Building a PHS Shiny dashboard – Introduction tab</a:t>
+                <a:latin typeface="Arial Black"/>
+                <a:cs typeface="Arial"/>
+              </a:rPr>
+              <a:t>Building a PHS Shiny dashboard – </a:t>
+            </a:r>
+            <a:r>
+              <a:rPr lang="en-GB" sz="3200" dirty="0">
+                <a:latin typeface="Arial Black"/>
+              </a:rPr>
+              <a:t>Information</a:t>
+            </a:r>
+            <a:r>
+              <a:rPr lang="en-GB" sz="3200" b="1" dirty="0">
+                <a:latin typeface="Arial Black"/>
+              </a:rPr>
+              <a:t> </a:t>
+            </a:r>
+            <a:r>
+              <a:rPr lang="en-GB" sz="2800" b="1" dirty="0">
+                <a:latin typeface="Arial Black"/>
+                <a:cs typeface="Arial"/>
+              </a:rPr>
+              <a:t>tab</a:t>
             </a:r>
             <a:endParaRPr lang="en-GB" dirty="0">
-              <a:latin typeface="Arial Black" panose="020B0A04020102020204" pitchFamily="34" charset="0"/>
+              <a:latin typeface="Arial Black"/>
+              <a:cs typeface="Arial"/>
             </a:endParaRPr>
           </a:p>
         </p:txBody>
@@ -6200,12 +6330,30 @@
           <a:lstStyle/>
           <a:p>
             <a:r>
-              <a:rPr lang="en-GB" sz="3200" b="1">
-                <a:latin typeface="Arial Black" panose="020B0A04020102020204" pitchFamily="34" charset="0"/>
-              </a:rPr>
-              <a:t>Exercise: Building a PHS Shiny dashboard – Introduction tab</a:t>
-            </a:r>
-            <a:endParaRPr lang="en-GB" sz="3200"/>
+              <a:rPr lang="en-GB" sz="3200" b="1" dirty="0">
+                <a:latin typeface="Arial Black"/>
+                <a:cs typeface="Arial"/>
+              </a:rPr>
+              <a:t>Exercise: Building a PHS Shiny dashboard – </a:t>
+            </a:r>
+            <a:r>
+              <a:rPr lang="en-GB" sz="3200" dirty="0">
+                <a:latin typeface="Arial Black"/>
+                <a:cs typeface="Arial"/>
+              </a:rPr>
+              <a:t>Information</a:t>
+            </a:r>
+            <a:r>
+              <a:rPr lang="en-GB" sz="3200" b="1" dirty="0">
+                <a:latin typeface="Arial Black"/>
+                <a:cs typeface="Arial"/>
+              </a:rPr>
+              <a:t> tab</a:t>
+            </a:r>
+            <a:endParaRPr lang="en-GB" sz="3200" dirty="0">
+              <a:latin typeface="Arial Black"/>
+              <a:cs typeface="Arial"/>
+            </a:endParaRPr>
           </a:p>
         </p:txBody>
       </p:sp>
@@ -6237,8 +6385,8 @@
         </p:blipFill>
         <p:spPr>
           <a:xfrm>
-            <a:off x="1316146" y="1722128"/>
-            <a:ext cx="8807247" cy="3413744"/>
+            <a:off x="1459428" y="1696078"/>
+            <a:ext cx="9276170" cy="3602614"/>
           </a:xfrm>
           <a:prstGeom prst="rect">
             <a:avLst/>
@@ -6298,12 +6446,30 @@
           <a:lstStyle/>
           <a:p>
             <a:r>
-              <a:rPr lang="en-GB" sz="3200" b="1">
-                <a:latin typeface="Arial Black" panose="020B0A04020102020204" pitchFamily="34" charset="0"/>
-              </a:rPr>
-              <a:t>Building a PHS Shiny dashboard – Introduction tab</a:t>
-            </a:r>
-            <a:endParaRPr lang="en-GB" sz="3200"/>
+              <a:rPr lang="en-GB" sz="3200" b="1" dirty="0">
+                <a:latin typeface="Arial Black"/>
+                <a:cs typeface="Arial"/>
+              </a:rPr>
+              <a:t>Building a PHS Shiny dashboard – </a:t>
+            </a:r>
+            <a:r>
+              <a:rPr lang="en-GB" sz="3200" dirty="0">
+                <a:latin typeface="Arial Black"/>
+                <a:cs typeface="Arial"/>
+              </a:rPr>
+              <a:t>Information</a:t>
+            </a:r>
+            <a:r>
+              <a:rPr lang="en-GB" sz="3200" b="1" dirty="0">
+                <a:latin typeface="Arial Black"/>
+                <a:cs typeface="Arial"/>
+              </a:rPr>
+              <a:t> tab</a:t>
+            </a:r>
+            <a:endParaRPr lang="en-GB" sz="3200" dirty="0">
+              <a:latin typeface="Arial Black"/>
+              <a:cs typeface="Arial"/>
+            </a:endParaRPr>
           </a:p>
         </p:txBody>
       </p:sp>
@@ -7711,8 +7877,8 @@
         </p:blipFill>
         <p:spPr>
           <a:xfrm>
-            <a:off x="948172" y="1485105"/>
-            <a:ext cx="10295655" cy="1619763"/>
+            <a:off x="837454" y="1452541"/>
+            <a:ext cx="10523604" cy="1658840"/>
           </a:xfrm>
           <a:prstGeom prst="rect">
             <a:avLst/>
@@ -9325,24 +9491,25 @@
           </a:xfrm>
         </p:spPr>
         <p:txBody>
-          <a:bodyPr>
+          <a:bodyPr vert="horz" lIns="91440" tIns="45720" rIns="91440" bIns="45720" rtlCol="0" anchor="t">
             <a:normAutofit/>
           </a:bodyPr>
           <a:lstStyle/>
           <a:p>
             <a:pPr>
-              <a:buFont typeface="Wingdings" panose="05000000000000000000" pitchFamily="2" charset="2"/>
-              <a:buChar char="§"/>
+              <a:buFont typeface="Arial"/>
+              <a:buChar char="•"/>
             </a:pPr>
             <a:r>
               <a:rPr lang="en-GB" dirty="0"/>
               <a:t> Multiscript dashboards: UI, Server and Global scripts</a:t>
             </a:r>
+            <a:endParaRPr lang="en-US"/>
           </a:p>
           <a:p>
             <a:pPr>
-              <a:buFont typeface="Wingdings" panose="05000000000000000000" pitchFamily="2" charset="2"/>
-              <a:buChar char="§"/>
+              <a:buFont typeface="Arial"/>
+              <a:buChar char="•"/>
             </a:pPr>
             <a:r>
               <a:rPr lang="en-GB" dirty="0"/>
@@ -9351,8 +9518,8 @@
           </a:p>
           <a:p>
             <a:pPr>
-              <a:buFont typeface="Wingdings" panose="05000000000000000000" pitchFamily="2" charset="2"/>
-              <a:buChar char="§"/>
+              <a:buFont typeface="Arial"/>
+              <a:buChar char="•"/>
             </a:pPr>
             <a:r>
               <a:rPr lang="en-GB" dirty="0"/>
@@ -9361,8 +9528,8 @@
           </a:p>
           <a:p>
             <a:pPr>
-              <a:buFont typeface="Wingdings" panose="05000000000000000000" pitchFamily="2" charset="2"/>
-              <a:buChar char="§"/>
+              <a:buFont typeface="Arial"/>
+              <a:buChar char="•"/>
             </a:pPr>
             <a:r>
               <a:rPr lang="en-GB" dirty="0"/>
@@ -9371,8 +9538,8 @@
           </a:p>
           <a:p>
             <a:pPr>
-              <a:buFont typeface="Wingdings" panose="05000000000000000000" pitchFamily="2" charset="2"/>
-              <a:buChar char="§"/>
+              <a:buFont typeface="Arial"/>
+              <a:buChar char="•"/>
             </a:pPr>
             <a:r>
               <a:rPr lang="en-GB" dirty="0"/>
@@ -9389,28 +9556,21 @@
           </a:p>
           <a:p>
             <a:pPr>
-              <a:buFont typeface="Wingdings" panose="05000000000000000000" pitchFamily="2" charset="2"/>
-              <a:buChar char="§"/>
+              <a:buFont typeface="Arial"/>
+              <a:buChar char="•"/>
             </a:pPr>
             <a:r>
-              <a:rPr lang="en-GB" dirty="0"/>
-              <a:t> Data downloads</a:t>
+              <a:rPr lang="en-GB" dirty="0">
+                <a:latin typeface="Arial"/>
+                <a:cs typeface="Arial"/>
+              </a:rPr>
+              <a:t> Data downloads</a:t>
             </a:r>
           </a:p>
           <a:p>
             <a:pPr>
-              <a:buFont typeface="Wingdings" panose="05000000000000000000" pitchFamily="2" charset="2"/>
-              <a:buChar char="§"/>
-            </a:pPr>
-            <a:r>
-              <a:rPr lang="en-GB" dirty="0"/>
-              <a:t> Deploying an app</a:t>
-            </a:r>
-          </a:p>
-          <a:p>
-            <a:pPr>
-              <a:buFont typeface="Wingdings" panose="05000000000000000000" pitchFamily="2" charset="2"/>
-              <a:buChar char="§"/>
+              <a:buFont typeface="Arial"/>
+              <a:buChar char="•"/>
             </a:pPr>
             <a:r>
               <a:rPr lang="en-GB" dirty="0"/>
@@ -9419,8 +9579,8 @@
           </a:p>
           <a:p>
             <a:pPr>
-              <a:buFont typeface="Wingdings" panose="05000000000000000000" pitchFamily="2" charset="2"/>
-              <a:buChar char="§"/>
+              <a:buFont typeface="Arial"/>
+              <a:buChar char="•"/>
             </a:pPr>
             <a:r>
               <a:rPr lang="en-GB" dirty="0"/>
@@ -11901,8 +12061,8 @@
         </p:blipFill>
         <p:spPr>
           <a:xfrm>
-            <a:off x="976630" y="4540970"/>
-            <a:ext cx="6160770" cy="1644417"/>
+            <a:off x="970117" y="4397688"/>
+            <a:ext cx="6675282" cy="1781186"/>
           </a:xfrm>
           <a:prstGeom prst="rect">
             <a:avLst/>
@@ -12386,7 +12546,7 @@
           </a:xfrm>
         </p:spPr>
         <p:txBody>
-          <a:bodyPr>
+          <a:bodyPr vert="horz" lIns="91440" tIns="45720" rIns="91440" bIns="45720" rtlCol="0" anchor="t">
             <a:noAutofit/>
           </a:bodyPr>
           <a:lstStyle/>
@@ -12427,27 +12587,45 @@
           <a:p>
             <a:pPr lvl="1"/>
             <a:r>
-              <a:rPr lang="en-GB" dirty="0"/>
+              <a:rPr lang="en-GB" dirty="0">
+                <a:latin typeface="Arial"/>
+                <a:cs typeface="Arial"/>
+              </a:rPr>
               <a:t>The function requires an </a:t>
             </a:r>
             <a:r>
-              <a:rPr lang="en-GB" b="1" dirty="0" err="1"/>
-              <a:t>inputId</a:t>
-            </a:r>
-            <a:r>
-              <a:rPr lang="en-GB" b="1" dirty="0"/>
-              <a:t> </a:t>
-            </a:r>
-            <a:r>
-              <a:rPr lang="en-GB" dirty="0"/>
+              <a:rPr lang="en-GB" b="1" dirty="0" err="1">
+                <a:latin typeface="Arial"/>
+                <a:cs typeface="Arial"/>
+              </a:rPr>
+              <a:t>outputId</a:t>
+            </a:r>
+            <a:r>
+              <a:rPr lang="en-GB" b="1" dirty="0">
+                <a:latin typeface="Arial"/>
+                <a:cs typeface="Arial"/>
+              </a:rPr>
+              <a:t> </a:t>
+            </a:r>
+            <a:r>
+              <a:rPr lang="en-GB" dirty="0">
+                <a:latin typeface="Arial"/>
+                <a:cs typeface="Arial"/>
+              </a:rPr>
               <a:t>which will be matched in the server side, and a label e.g. </a:t>
             </a:r>
             <a:r>
-              <a:rPr lang="en-GB" b="1" dirty="0"/>
+              <a:rPr lang="en-GB" b="1" dirty="0">
+                <a:latin typeface="Arial"/>
+                <a:cs typeface="Arial"/>
+              </a:rPr>
               <a:t>“Download data”</a:t>
             </a:r>
             <a:r>
-              <a:rPr lang="en-GB" dirty="0"/>
+              <a:rPr lang="en-GB" dirty="0">
+                <a:latin typeface="Arial"/>
+                <a:cs typeface="Arial"/>
+              </a:rPr>
               <a:t>.</a:t>
             </a:r>
           </a:p>
@@ -13536,198 +13714,6 @@
             <p:ph type="title"/>
           </p:nvPr>
         </p:nvSpPr>
-        <p:spPr>
-          <a:xfrm>
-            <a:off x="739832" y="339065"/>
-            <a:ext cx="10515600" cy="1325563"/>
-          </a:xfrm>
-        </p:spPr>
-        <p:txBody>
-          <a:bodyPr>
-            <a:normAutofit/>
-          </a:bodyPr>
-          <a:lstStyle/>
-          <a:p>
-            <a:r>
-              <a:rPr lang="en-GB" sz="3200">
-                <a:latin typeface="Arial Black" panose="020B0A04020102020204" pitchFamily="34" charset="0"/>
-              </a:rPr>
-              <a:t>Deploying an App</a:t>
-            </a:r>
-            <a:endParaRPr lang="en-GB" sz="3200"/>
-          </a:p>
-        </p:txBody>
-      </p:sp>
-      <p:sp>
-        <p:nvSpPr>
-          <p:cNvPr id="3" name="Content Placeholder 2"/>
-          <p:cNvSpPr>
-            <a:spLocks noGrp="1"/>
-          </p:cNvSpPr>
-          <p:nvPr>
-            <p:ph idx="1"/>
-          </p:nvPr>
-        </p:nvSpPr>
-        <p:spPr>
-          <a:xfrm>
-            <a:off x="739832" y="1317460"/>
-            <a:ext cx="10058400" cy="872528"/>
-          </a:xfrm>
-        </p:spPr>
-        <p:txBody>
-          <a:bodyPr>
-            <a:noAutofit/>
-          </a:bodyPr>
-          <a:lstStyle/>
-          <a:p>
-            <a:r>
-              <a:rPr lang="en-GB" b="1" dirty="0">
-                <a:solidFill>
-                  <a:srgbClr val="7030A0"/>
-                </a:solidFill>
-              </a:rPr>
-              <a:t>“Run”</a:t>
-            </a:r>
-            <a:r>
-              <a:rPr lang="en-GB" dirty="0"/>
-              <a:t> the app from the </a:t>
-            </a:r>
-            <a:r>
-              <a:rPr lang="en-GB" dirty="0" err="1"/>
-              <a:t>global.R</a:t>
-            </a:r>
-            <a:r>
-              <a:rPr lang="en-GB" dirty="0"/>
-              <a:t> script and check that everything is functioning normally.</a:t>
-            </a:r>
-          </a:p>
-          <a:p>
-            <a:r>
-              <a:rPr lang="en-GB" dirty="0"/>
-              <a:t>On a separate script, use the </a:t>
-            </a:r>
-            <a:r>
-              <a:rPr lang="en-GB" b="1" dirty="0" err="1"/>
-              <a:t>rsconnect</a:t>
-            </a:r>
-            <a:r>
-              <a:rPr lang="en-GB" b="1" dirty="0"/>
-              <a:t> </a:t>
-            </a:r>
-            <a:r>
-              <a:rPr lang="en-GB" dirty="0"/>
-              <a:t>package to deploy the app.</a:t>
-            </a:r>
-          </a:p>
-          <a:p>
-            <a:pPr lvl="1"/>
-            <a:r>
-              <a:rPr lang="en-GB" sz="1800" dirty="0">
-                <a:latin typeface="Arial" panose="020B0604020202020204" pitchFamily="34" charset="0"/>
-                <a:cs typeface="Arial" panose="020B0604020202020204" pitchFamily="34" charset="0"/>
-              </a:rPr>
-              <a:t>The first chunk of code sets the account information for the PHS shiny.io account. The token and secret can be obtained from one of the account managers, who you should contact if ever deploying an app. </a:t>
-            </a:r>
-          </a:p>
-          <a:p>
-            <a:pPr lvl="1"/>
-            <a:r>
-              <a:rPr lang="en-GB" sz="1800" dirty="0">
-                <a:latin typeface="Arial" panose="020B0604020202020204" pitchFamily="34" charset="0"/>
-                <a:cs typeface="Arial" panose="020B0604020202020204" pitchFamily="34" charset="0"/>
-              </a:rPr>
-              <a:t>The second chunk of code locates the app in your working directory and deploys it to the link designated, for example this would be located at: https://scotland.shinyapps.io/</a:t>
-            </a:r>
-            <a:r>
-              <a:rPr lang="en-GB" sz="1800" b="1" dirty="0">
-                <a:latin typeface="Arial" panose="020B0604020202020204" pitchFamily="34" charset="0"/>
-                <a:cs typeface="Arial" panose="020B0604020202020204" pitchFamily="34" charset="0"/>
-              </a:rPr>
-              <a:t>our-shiny-training-app</a:t>
-            </a:r>
-            <a:r>
-              <a:rPr lang="en-GB" sz="1800" dirty="0">
-                <a:latin typeface="Arial" panose="020B0604020202020204" pitchFamily="34" charset="0"/>
-                <a:cs typeface="Arial" panose="020B0604020202020204" pitchFamily="34" charset="0"/>
-              </a:rPr>
-              <a:t>/</a:t>
-            </a:r>
-          </a:p>
-          <a:p>
-            <a:pPr lvl="1"/>
-            <a:endParaRPr lang="en-GB" dirty="0"/>
-          </a:p>
-        </p:txBody>
-      </p:sp>
-      <p:pic>
-        <p:nvPicPr>
-          <p:cNvPr id="16" name="Picture 15"/>
-          <p:cNvPicPr>
-            <a:picLocks noChangeAspect="1"/>
-          </p:cNvPicPr>
-          <p:nvPr/>
-        </p:nvPicPr>
-        <p:blipFill>
-          <a:blip r:embed="rId3"/>
-          <a:stretch>
-            <a:fillRect/>
-          </a:stretch>
-        </p:blipFill>
-        <p:spPr>
-          <a:xfrm>
-            <a:off x="739832" y="4173258"/>
-            <a:ext cx="6431029" cy="1694027"/>
-          </a:xfrm>
-          <a:prstGeom prst="rect">
-            <a:avLst/>
-          </a:prstGeom>
-        </p:spPr>
-      </p:pic>
-    </p:spTree>
-    <p:extLst>
-      <p:ext uri="{BB962C8B-B14F-4D97-AF65-F5344CB8AC3E}">
-        <p14:creationId xmlns:p14="http://schemas.microsoft.com/office/powerpoint/2010/main" val="2149528205"/>
-      </p:ext>
-    </p:extLst>
-  </p:cSld>
-  <p:clrMapOvr>
-    <a:masterClrMapping/>
-  </p:clrMapOvr>
-  <p:extLst>
-    <p:ext uri="{6950BFC3-D8DA-4A85-94F7-54DA5524770B}">
-      <p188:commentRel xmlns:p188="http://schemas.microsoft.com/office/powerpoint/2018/8/main" r:id="rId2"/>
-    </p:ext>
-  </p:extLst>
-</p:sld>
-</file>
-
-<file path=ppt/slides/slide35.xml><?xml version="1.0" encoding="utf-8"?>
-<p:sld xmlns:a="http://schemas.openxmlformats.org/drawingml/2006/main" xmlns:r="http://schemas.openxmlformats.org/officeDocument/2006/relationships" xmlns:p="http://schemas.openxmlformats.org/presentationml/2006/main">
-  <p:cSld>
-    <p:spTree>
-      <p:nvGrpSpPr>
-        <p:cNvPr id="1" name=""/>
-        <p:cNvGrpSpPr/>
-        <p:nvPr/>
-      </p:nvGrpSpPr>
-      <p:grpSpPr>
-        <a:xfrm>
-          <a:off x="0" y="0"/>
-          <a:ext cx="0" cy="0"/>
-          <a:chOff x="0" y="0"/>
-          <a:chExt cx="0" cy="0"/>
-        </a:xfrm>
-      </p:grpSpPr>
-      <p:sp>
-        <p:nvSpPr>
-          <p:cNvPr id="2" name="Title 1"/>
-          <p:cNvSpPr>
-            <a:spLocks noGrp="1"/>
-          </p:cNvSpPr>
-          <p:nvPr>
-            <p:ph type="title"/>
-          </p:nvPr>
-        </p:nvSpPr>
         <p:spPr/>
         <p:txBody>
           <a:bodyPr/>
@@ -13952,7 +13938,7 @@
 </p:sld>
 </file>
 
-<file path=ppt/slides/slide36.xml><?xml version="1.0" encoding="utf-8"?>
+<file path=ppt/slides/slide35.xml><?xml version="1.0" encoding="utf-8"?>
 <p:sld xmlns:a="http://schemas.openxmlformats.org/drawingml/2006/main" xmlns:r="http://schemas.openxmlformats.org/officeDocument/2006/relationships" xmlns:p="http://schemas.openxmlformats.org/presentationml/2006/main">
   <p:cSld>
     <p:spTree>
@@ -14123,7 +14109,7 @@
 </p:sld>
 </file>
 
-<file path=ppt/slides/slide37.xml><?xml version="1.0" encoding="utf-8"?>
+<file path=ppt/slides/slide36.xml><?xml version="1.0" encoding="utf-8"?>
 <p:sld xmlns:a="http://schemas.openxmlformats.org/drawingml/2006/main" xmlns:r="http://schemas.openxmlformats.org/officeDocument/2006/relationships" xmlns:p="http://schemas.openxmlformats.org/presentationml/2006/main">
   <p:cSld>
     <p:spTree>
@@ -14943,9 +14929,17 @@
           <a:p>
             <a:r>
               <a:rPr lang="en-GB" sz="3200" b="1" dirty="0">
-                <a:latin typeface="Arial Black" panose="020B0A04020102020204" pitchFamily="34" charset="0"/>
-              </a:rPr>
-              <a:t>Building a PHS Shiny dashboard – Introduction tab</a:t>
+                <a:latin typeface="Arial Black"/>
+                <a:cs typeface="Arial"/>
+              </a:rPr>
+              <a:t>Building a PHS Shiny dashboard – </a:t>
+            </a:r>
+            <a:r>
+              <a:rPr lang="en-GB" sz="3200" dirty="0">
+                <a:latin typeface="Arial Black"/>
+                <a:cs typeface="Arial"/>
+              </a:rPr>
+              <a:t>Information tab</a:t>
             </a:r>
             <a:endParaRPr lang="en-GB" sz="3200" dirty="0"/>
           </a:p>
@@ -15726,6 +15720,15 @@
 </file>
 
 <file path=customXml/item1.xml><?xml version="1.0" encoding="utf-8"?>
+<?mso-contentType ?>
+<FormTemplates xmlns="http://schemas.microsoft.com/sharepoint/v3/contenttype/forms">
+  <Display>DocumentLibraryForm</Display>
+  <Edit>DocumentLibraryForm</Edit>
+  <New>DocumentLibraryForm</New>
+</FormTemplates>
+</file>
+
+<file path=customXml/item2.xml><?xml version="1.0" encoding="utf-8"?>
 <ct:contentTypeSchema xmlns:ct="http://schemas.microsoft.com/office/2006/metadata/contentType" xmlns:ma="http://schemas.microsoft.com/office/2006/metadata/properties/metaAttributes" ct:_="" ma:_="" ma:contentTypeName="Document" ma:contentTypeID="0x010100F9163B9352FB5A4788BB54FA79E45A9B" ma:contentTypeVersion="10" ma:contentTypeDescription="Create a new document." ma:contentTypeScope="" ma:versionID="d7db80f1aefda32c0e8557789dcfc61a">
   <xsd:schema xmlns:xsd="http://www.w3.org/2001/XMLSchema" xmlns:xs="http://www.w3.org/2001/XMLSchema" xmlns:p="http://schemas.microsoft.com/office/2006/metadata/properties" xmlns:ns2="e155261d-e7be-4e14-8f3f-074943e30468" xmlns:ns3="9777d510-7a84-4d86-adcc-ed6491094c98" targetNamespace="http://schemas.microsoft.com/office/2006/metadata/properties" ma:root="true" ma:fieldsID="ca472082848a01cf90554cbe48082752" ns2:_="" ns3:_="">
     <xsd:import namespace="e155261d-e7be-4e14-8f3f-074943e30468"/>
@@ -15924,7 +15927,7 @@
 </ct:contentTypeSchema>
 </file>
 
-<file path=customXml/item2.xml><?xml version="1.0" encoding="utf-8"?>
+<file path=customXml/item3.xml><?xml version="1.0" encoding="utf-8"?>
 <p:properties xmlns:p="http://schemas.microsoft.com/office/2006/metadata/properties" xmlns:xsi="http://www.w3.org/2001/XMLSchema-instance" xmlns:pc="http://schemas.microsoft.com/office/infopath/2007/PartnerControls">
   <documentManagement>
     <lcf76f155ced4ddcb4097134ff3c332f xmlns="e155261d-e7be-4e14-8f3f-074943e30468">
@@ -15934,16 +15937,15 @@
 </p:properties>
 </file>
 
-<file path=customXml/item3.xml><?xml version="1.0" encoding="utf-8"?>
-<?mso-contentType ?>
-<FormTemplates xmlns="http://schemas.microsoft.com/sharepoint/v3/contenttype/forms">
-  <Display>DocumentLibraryForm</Display>
-  <Edit>DocumentLibraryForm</Edit>
-  <New>DocumentLibraryForm</New>
-</FormTemplates>
+<file path=customXml/itemProps1.xml><?xml version="1.0" encoding="utf-8"?>
+<ds:datastoreItem xmlns:ds="http://schemas.openxmlformats.org/officeDocument/2006/customXml" ds:itemID="{AD6B120D-A0FB-4DD8-992E-3D48283A8AF5}">
+  <ds:schemaRefs>
+    <ds:schemaRef ds:uri="http://schemas.microsoft.com/sharepoint/v3/contenttype/forms"/>
+  </ds:schemaRefs>
+</ds:datastoreItem>
 </file>
 
-<file path=customXml/itemProps1.xml><?xml version="1.0" encoding="utf-8"?>
+<file path=customXml/itemProps2.xml><?xml version="1.0" encoding="utf-8"?>
 <ds:datastoreItem xmlns:ds="http://schemas.openxmlformats.org/officeDocument/2006/customXml" ds:itemID="{C5A97AB8-37A8-4C5A-A6CD-0D10D9EEFF82}">
   <ds:schemaRefs>
     <ds:schemaRef ds:uri="9777d510-7a84-4d86-adcc-ed6491094c98"/>
@@ -15962,7 +15964,7 @@
 </ds:datastoreItem>
 </file>
 
-<file path=customXml/itemProps2.xml><?xml version="1.0" encoding="utf-8"?>
+<file path=customXml/itemProps3.xml><?xml version="1.0" encoding="utf-8"?>
 <ds:datastoreItem xmlns:ds="http://schemas.openxmlformats.org/officeDocument/2006/customXml" ds:itemID="{4C73297F-598B-4DCB-BCE9-E508A25225E1}">
   <ds:schemaRefs>
     <ds:schemaRef ds:uri="e155261d-e7be-4e14-8f3f-074943e30468"/>
@@ -15977,12 +15979,4 @@
     <ds:schemaRef ds:uri="http://purl.org/dc/dcmitype/"/>
   </ds:schemaRefs>
 </ds:datastoreItem>
-</file>
-
-<file path=customXml/itemProps3.xml><?xml version="1.0" encoding="utf-8"?>
-<ds:datastoreItem xmlns:ds="http://schemas.openxmlformats.org/officeDocument/2006/customXml" ds:itemID="{AD6B120D-A0FB-4DD8-992E-3D48283A8AF5}">
-  <ds:schemaRefs>
-    <ds:schemaRef ds:uri="http://schemas.microsoft.com/sharepoint/v3/contenttype/forms"/>
-  </ds:schemaRefs>
-</ds:datastoreItem>
 </file>